--- a/Docs/rfsel.pptx
+++ b/Docs/rfsel.pptx
@@ -4,6 +4,9 @@
   <p:sldMasterIdLst>
     <p:sldMasterId id="2147483648" r:id="rId1"/>
   </p:sldMasterIdLst>
+  <p:notesMasterIdLst>
+    <p:notesMasterId r:id="rId3"/>
+  </p:notesMasterIdLst>
   <p:sldIdLst>
     <p:sldId id="256" r:id="rId2"/>
   </p:sldIdLst>
@@ -112,6 +115,439 @@
 </p:presentation>
 </file>
 
+<file path=ppt/notesMasters/notesMaster1.xml><?xml version="1.0" encoding="utf-8"?>
+<p:notesMaster xmlns:a="http://schemas.openxmlformats.org/drawingml/2006/main" xmlns:r="http://schemas.openxmlformats.org/officeDocument/2006/relationships" xmlns:p="http://schemas.openxmlformats.org/presentationml/2006/main">
+  <p:cSld>
+    <p:bg>
+      <p:bgRef idx="1001">
+        <a:schemeClr val="bg1"/>
+      </p:bgRef>
+    </p:bg>
+    <p:spTree>
+      <p:nvGrpSpPr>
+        <p:cNvPr id="1" name=""/>
+        <p:cNvGrpSpPr/>
+        <p:nvPr/>
+      </p:nvGrpSpPr>
+      <p:grpSpPr>
+        <a:xfrm>
+          <a:off x="0" y="0"/>
+          <a:ext cx="0" cy="0"/>
+          <a:chOff x="0" y="0"/>
+          <a:chExt cx="0" cy="0"/>
+        </a:xfrm>
+      </p:grpSpPr>
+      <p:sp>
+        <p:nvSpPr>
+          <p:cNvPr id="2" name="Header Placeholder 1"/>
+          <p:cNvSpPr>
+            <a:spLocks noGrp="1"/>
+          </p:cNvSpPr>
+          <p:nvPr>
+            <p:ph type="hdr" sz="quarter"/>
+          </p:nvPr>
+        </p:nvSpPr>
+        <p:spPr>
+          <a:xfrm>
+            <a:off x="0" y="0"/>
+            <a:ext cx="2971800" cy="458788"/>
+          </a:xfrm>
+          <a:prstGeom prst="rect">
+            <a:avLst/>
+          </a:prstGeom>
+        </p:spPr>
+        <p:txBody>
+          <a:bodyPr vert="horz" lIns="91440" tIns="45720" rIns="91440" bIns="45720" rtlCol="0"/>
+          <a:lstStyle>
+            <a:lvl1pPr algn="l">
+              <a:defRPr sz="1200"/>
+            </a:lvl1pPr>
+          </a:lstStyle>
+          <a:p>
+            <a:endParaRPr lang="en-US"/>
+          </a:p>
+        </p:txBody>
+      </p:sp>
+      <p:sp>
+        <p:nvSpPr>
+          <p:cNvPr id="3" name="Date Placeholder 2"/>
+          <p:cNvSpPr>
+            <a:spLocks noGrp="1"/>
+          </p:cNvSpPr>
+          <p:nvPr>
+            <p:ph type="dt" idx="1"/>
+          </p:nvPr>
+        </p:nvSpPr>
+        <p:spPr>
+          <a:xfrm>
+            <a:off x="3884613" y="0"/>
+            <a:ext cx="2971800" cy="458788"/>
+          </a:xfrm>
+          <a:prstGeom prst="rect">
+            <a:avLst/>
+          </a:prstGeom>
+        </p:spPr>
+        <p:txBody>
+          <a:bodyPr vert="horz" lIns="91440" tIns="45720" rIns="91440" bIns="45720" rtlCol="0"/>
+          <a:lstStyle>
+            <a:lvl1pPr algn="r">
+              <a:defRPr sz="1200"/>
+            </a:lvl1pPr>
+          </a:lstStyle>
+          <a:p>
+            <a:fld id="{2FBA757A-6025-5A42-AE6E-F4BC141BDF65}" type="datetimeFigureOut">
+              <a:rPr lang="en-US" smtClean="0"/>
+              <a:t>7/10/21</a:t>
+            </a:fld>
+            <a:endParaRPr lang="en-US"/>
+          </a:p>
+        </p:txBody>
+      </p:sp>
+      <p:sp>
+        <p:nvSpPr>
+          <p:cNvPr id="4" name="Slide Image Placeholder 3"/>
+          <p:cNvSpPr>
+            <a:spLocks noGrp="1" noRot="1" noChangeAspect="1"/>
+          </p:cNvSpPr>
+          <p:nvPr>
+            <p:ph type="sldImg" idx="2"/>
+          </p:nvPr>
+        </p:nvSpPr>
+        <p:spPr>
+          <a:xfrm>
+            <a:off x="685800" y="1143000"/>
+            <a:ext cx="5486400" cy="3086100"/>
+          </a:xfrm>
+          <a:prstGeom prst="rect">
+            <a:avLst/>
+          </a:prstGeom>
+          <a:noFill/>
+          <a:ln w="12700">
+            <a:solidFill>
+              <a:prstClr val="black"/>
+            </a:solidFill>
+          </a:ln>
+        </p:spPr>
+        <p:txBody>
+          <a:bodyPr vert="horz" lIns="91440" tIns="45720" rIns="91440" bIns="45720" rtlCol="0" anchor="ctr"/>
+          <a:lstStyle/>
+          <a:p>
+            <a:endParaRPr lang="en-US"/>
+          </a:p>
+        </p:txBody>
+      </p:sp>
+      <p:sp>
+        <p:nvSpPr>
+          <p:cNvPr id="5" name="Notes Placeholder 4"/>
+          <p:cNvSpPr>
+            <a:spLocks noGrp="1"/>
+          </p:cNvSpPr>
+          <p:nvPr>
+            <p:ph type="body" sz="quarter" idx="3"/>
+          </p:nvPr>
+        </p:nvSpPr>
+        <p:spPr>
+          <a:xfrm>
+            <a:off x="685800" y="4400550"/>
+            <a:ext cx="5486400" cy="3600450"/>
+          </a:xfrm>
+          <a:prstGeom prst="rect">
+            <a:avLst/>
+          </a:prstGeom>
+        </p:spPr>
+        <p:txBody>
+          <a:bodyPr vert="horz" lIns="91440" tIns="45720" rIns="91440" bIns="45720" rtlCol="0"/>
+          <a:lstStyle/>
+          <a:p>
+            <a:pPr lvl="0"/>
+            <a:r>
+              <a:rPr lang="en-US"/>
+              <a:t>Click to edit Master text styles</a:t>
+            </a:r>
+          </a:p>
+          <a:p>
+            <a:pPr lvl="1"/>
+            <a:r>
+              <a:rPr lang="en-US"/>
+              <a:t>Second level</a:t>
+            </a:r>
+          </a:p>
+          <a:p>
+            <a:pPr lvl="2"/>
+            <a:r>
+              <a:rPr lang="en-US"/>
+              <a:t>Third level</a:t>
+            </a:r>
+          </a:p>
+          <a:p>
+            <a:pPr lvl="3"/>
+            <a:r>
+              <a:rPr lang="en-US"/>
+              <a:t>Fourth level</a:t>
+            </a:r>
+          </a:p>
+          <a:p>
+            <a:pPr lvl="4"/>
+            <a:r>
+              <a:rPr lang="en-US"/>
+              <a:t>Fifth level</a:t>
+            </a:r>
+          </a:p>
+        </p:txBody>
+      </p:sp>
+      <p:sp>
+        <p:nvSpPr>
+          <p:cNvPr id="6" name="Footer Placeholder 5"/>
+          <p:cNvSpPr>
+            <a:spLocks noGrp="1"/>
+          </p:cNvSpPr>
+          <p:nvPr>
+            <p:ph type="ftr" sz="quarter" idx="4"/>
+          </p:nvPr>
+        </p:nvSpPr>
+        <p:spPr>
+          <a:xfrm>
+            <a:off x="0" y="8685213"/>
+            <a:ext cx="2971800" cy="458787"/>
+          </a:xfrm>
+          <a:prstGeom prst="rect">
+            <a:avLst/>
+          </a:prstGeom>
+        </p:spPr>
+        <p:txBody>
+          <a:bodyPr vert="horz" lIns="91440" tIns="45720" rIns="91440" bIns="45720" rtlCol="0" anchor="b"/>
+          <a:lstStyle>
+            <a:lvl1pPr algn="l">
+              <a:defRPr sz="1200"/>
+            </a:lvl1pPr>
+          </a:lstStyle>
+          <a:p>
+            <a:endParaRPr lang="en-US"/>
+          </a:p>
+        </p:txBody>
+      </p:sp>
+      <p:sp>
+        <p:nvSpPr>
+          <p:cNvPr id="7" name="Slide Number Placeholder 6"/>
+          <p:cNvSpPr>
+            <a:spLocks noGrp="1"/>
+          </p:cNvSpPr>
+          <p:nvPr>
+            <p:ph type="sldNum" sz="quarter" idx="5"/>
+          </p:nvPr>
+        </p:nvSpPr>
+        <p:spPr>
+          <a:xfrm>
+            <a:off x="3884613" y="8685213"/>
+            <a:ext cx="2971800" cy="458787"/>
+          </a:xfrm>
+          <a:prstGeom prst="rect">
+            <a:avLst/>
+          </a:prstGeom>
+        </p:spPr>
+        <p:txBody>
+          <a:bodyPr vert="horz" lIns="91440" tIns="45720" rIns="91440" bIns="45720" rtlCol="0" anchor="b"/>
+          <a:lstStyle>
+            <a:lvl1pPr algn="r">
+              <a:defRPr sz="1200"/>
+            </a:lvl1pPr>
+          </a:lstStyle>
+          <a:p>
+            <a:fld id="{8BA2EB06-B43B-0944-B00A-790F791AE34F}" type="slidenum">
+              <a:rPr lang="en-US" smtClean="0"/>
+              <a:t>‹#›</a:t>
+            </a:fld>
+            <a:endParaRPr lang="en-US"/>
+          </a:p>
+        </p:txBody>
+      </p:sp>
+    </p:spTree>
+    <p:extLst>
+      <p:ext uri="{BB962C8B-B14F-4D97-AF65-F5344CB8AC3E}">
+        <p14:creationId xmlns:p14="http://schemas.microsoft.com/office/powerpoint/2010/main" val="2127790185"/>
+      </p:ext>
+    </p:extLst>
+  </p:cSld>
+  <p:clrMap bg1="lt1" tx1="dk1" bg2="lt2" tx2="dk2" accent1="accent1" accent2="accent2" accent3="accent3" accent4="accent4" accent5="accent5" accent6="accent6" hlink="hlink" folHlink="folHlink"/>
+  <p:notesStyle>
+    <a:lvl1pPr marL="0" algn="l" defTabSz="914400" rtl="0" eaLnBrk="1" latinLnBrk="0" hangingPunct="1">
+      <a:defRPr sz="1200" kern="1200">
+        <a:solidFill>
+          <a:schemeClr val="tx1"/>
+        </a:solidFill>
+        <a:latin typeface="+mn-lt"/>
+        <a:ea typeface="+mn-ea"/>
+        <a:cs typeface="+mn-cs"/>
+      </a:defRPr>
+    </a:lvl1pPr>
+    <a:lvl2pPr marL="457200" algn="l" defTabSz="914400" rtl="0" eaLnBrk="1" latinLnBrk="0" hangingPunct="1">
+      <a:defRPr sz="1200" kern="1200">
+        <a:solidFill>
+          <a:schemeClr val="tx1"/>
+        </a:solidFill>
+        <a:latin typeface="+mn-lt"/>
+        <a:ea typeface="+mn-ea"/>
+        <a:cs typeface="+mn-cs"/>
+      </a:defRPr>
+    </a:lvl2pPr>
+    <a:lvl3pPr marL="914400" algn="l" defTabSz="914400" rtl="0" eaLnBrk="1" latinLnBrk="0" hangingPunct="1">
+      <a:defRPr sz="1200" kern="1200">
+        <a:solidFill>
+          <a:schemeClr val="tx1"/>
+        </a:solidFill>
+        <a:latin typeface="+mn-lt"/>
+        <a:ea typeface="+mn-ea"/>
+        <a:cs typeface="+mn-cs"/>
+      </a:defRPr>
+    </a:lvl3pPr>
+    <a:lvl4pPr marL="1371600" algn="l" defTabSz="914400" rtl="0" eaLnBrk="1" latinLnBrk="0" hangingPunct="1">
+      <a:defRPr sz="1200" kern="1200">
+        <a:solidFill>
+          <a:schemeClr val="tx1"/>
+        </a:solidFill>
+        <a:latin typeface="+mn-lt"/>
+        <a:ea typeface="+mn-ea"/>
+        <a:cs typeface="+mn-cs"/>
+      </a:defRPr>
+    </a:lvl4pPr>
+    <a:lvl5pPr marL="1828800" algn="l" defTabSz="914400" rtl="0" eaLnBrk="1" latinLnBrk="0" hangingPunct="1">
+      <a:defRPr sz="1200" kern="1200">
+        <a:solidFill>
+          <a:schemeClr val="tx1"/>
+        </a:solidFill>
+        <a:latin typeface="+mn-lt"/>
+        <a:ea typeface="+mn-ea"/>
+        <a:cs typeface="+mn-cs"/>
+      </a:defRPr>
+    </a:lvl5pPr>
+    <a:lvl6pPr marL="2286000" algn="l" defTabSz="914400" rtl="0" eaLnBrk="1" latinLnBrk="0" hangingPunct="1">
+      <a:defRPr sz="1200" kern="1200">
+        <a:solidFill>
+          <a:schemeClr val="tx1"/>
+        </a:solidFill>
+        <a:latin typeface="+mn-lt"/>
+        <a:ea typeface="+mn-ea"/>
+        <a:cs typeface="+mn-cs"/>
+      </a:defRPr>
+    </a:lvl6pPr>
+    <a:lvl7pPr marL="2743200" algn="l" defTabSz="914400" rtl="0" eaLnBrk="1" latinLnBrk="0" hangingPunct="1">
+      <a:defRPr sz="1200" kern="1200">
+        <a:solidFill>
+          <a:schemeClr val="tx1"/>
+        </a:solidFill>
+        <a:latin typeface="+mn-lt"/>
+        <a:ea typeface="+mn-ea"/>
+        <a:cs typeface="+mn-cs"/>
+      </a:defRPr>
+    </a:lvl7pPr>
+    <a:lvl8pPr marL="3200400" algn="l" defTabSz="914400" rtl="0" eaLnBrk="1" latinLnBrk="0" hangingPunct="1">
+      <a:defRPr sz="1200" kern="1200">
+        <a:solidFill>
+          <a:schemeClr val="tx1"/>
+        </a:solidFill>
+        <a:latin typeface="+mn-lt"/>
+        <a:ea typeface="+mn-ea"/>
+        <a:cs typeface="+mn-cs"/>
+      </a:defRPr>
+    </a:lvl8pPr>
+    <a:lvl9pPr marL="3657600" algn="l" defTabSz="914400" rtl="0" eaLnBrk="1" latinLnBrk="0" hangingPunct="1">
+      <a:defRPr sz="1200" kern="1200">
+        <a:solidFill>
+          <a:schemeClr val="tx1"/>
+        </a:solidFill>
+        <a:latin typeface="+mn-lt"/>
+        <a:ea typeface="+mn-ea"/>
+        <a:cs typeface="+mn-cs"/>
+      </a:defRPr>
+    </a:lvl9pPr>
+  </p:notesStyle>
+</p:notesMaster>
+</file>
+
+<file path=ppt/notesSlides/notesSlide1.xml><?xml version="1.0" encoding="utf-8"?>
+<p:notes xmlns:a="http://schemas.openxmlformats.org/drawingml/2006/main" xmlns:r="http://schemas.openxmlformats.org/officeDocument/2006/relationships" xmlns:p="http://schemas.openxmlformats.org/presentationml/2006/main">
+  <p:cSld>
+    <p:spTree>
+      <p:nvGrpSpPr>
+        <p:cNvPr id="1" name=""/>
+        <p:cNvGrpSpPr/>
+        <p:nvPr/>
+      </p:nvGrpSpPr>
+      <p:grpSpPr>
+        <a:xfrm>
+          <a:off x="0" y="0"/>
+          <a:ext cx="0" cy="0"/>
+          <a:chOff x="0" y="0"/>
+          <a:chExt cx="0" cy="0"/>
+        </a:xfrm>
+      </p:grpSpPr>
+      <p:sp>
+        <p:nvSpPr>
+          <p:cNvPr id="2" name="Slide Image Placeholder 1"/>
+          <p:cNvSpPr>
+            <a:spLocks noGrp="1" noRot="1" noChangeAspect="1"/>
+          </p:cNvSpPr>
+          <p:nvPr>
+            <p:ph type="sldImg"/>
+          </p:nvPr>
+        </p:nvSpPr>
+        <p:spPr/>
+      </p:sp>
+      <p:sp>
+        <p:nvSpPr>
+          <p:cNvPr id="3" name="Notes Placeholder 2"/>
+          <p:cNvSpPr>
+            <a:spLocks noGrp="1"/>
+          </p:cNvSpPr>
+          <p:nvPr>
+            <p:ph type="body" idx="1"/>
+          </p:nvPr>
+        </p:nvSpPr>
+        <p:spPr/>
+        <p:txBody>
+          <a:bodyPr/>
+          <a:lstStyle/>
+          <a:p>
+            <a:endParaRPr lang="en-US" dirty="0"/>
+          </a:p>
+        </p:txBody>
+      </p:sp>
+      <p:sp>
+        <p:nvSpPr>
+          <p:cNvPr id="4" name="Slide Number Placeholder 3"/>
+          <p:cNvSpPr>
+            <a:spLocks noGrp="1"/>
+          </p:cNvSpPr>
+          <p:nvPr>
+            <p:ph type="sldNum" sz="quarter" idx="5"/>
+          </p:nvPr>
+        </p:nvSpPr>
+        <p:spPr/>
+        <p:txBody>
+          <a:bodyPr/>
+          <a:lstStyle/>
+          <a:p>
+            <a:fld id="{8BA2EB06-B43B-0944-B00A-790F791AE34F}" type="slidenum">
+              <a:rPr lang="en-US" smtClean="0"/>
+              <a:t>1</a:t>
+            </a:fld>
+            <a:endParaRPr lang="en-US"/>
+          </a:p>
+        </p:txBody>
+      </p:sp>
+    </p:spTree>
+    <p:extLst>
+      <p:ext uri="{BB962C8B-B14F-4D97-AF65-F5344CB8AC3E}">
+        <p14:creationId xmlns:p14="http://schemas.microsoft.com/office/powerpoint/2010/main" val="3036498117"/>
+      </p:ext>
+    </p:extLst>
+  </p:cSld>
+  <p:clrMapOvr>
+    <a:masterClrMapping/>
+  </p:clrMapOvr>
+</p:notes>
+</file>
+
 <file path=ppt/slideLayouts/slideLayout1.xml><?xml version="1.0" encoding="utf-8"?>
 <p:sldLayout xmlns:a="http://schemas.openxmlformats.org/drawingml/2006/main" xmlns:r="http://schemas.openxmlformats.org/officeDocument/2006/relationships" xmlns:p="http://schemas.openxmlformats.org/presentationml/2006/main" type="title" preserve="1">
   <p:cSld name="Title Slide">
@@ -259,7 +695,7 @@
           <a:p>
             <a:fld id="{51B3A7B4-E0E3-3348-8640-EBFD71607F9D}" type="datetimeFigureOut">
               <a:rPr lang="en-US" smtClean="0"/>
-              <a:t>2/19/2021</a:t>
+              <a:t>7/10/21</a:t>
             </a:fld>
             <a:endParaRPr lang="en-US"/>
           </a:p>
@@ -457,7 +893,7 @@
           <a:p>
             <a:fld id="{51B3A7B4-E0E3-3348-8640-EBFD71607F9D}" type="datetimeFigureOut">
               <a:rPr lang="en-US" smtClean="0"/>
-              <a:t>2/19/2021</a:t>
+              <a:t>7/10/21</a:t>
             </a:fld>
             <a:endParaRPr lang="en-US"/>
           </a:p>
@@ -665,7 +1101,7 @@
           <a:p>
             <a:fld id="{51B3A7B4-E0E3-3348-8640-EBFD71607F9D}" type="datetimeFigureOut">
               <a:rPr lang="en-US" smtClean="0"/>
-              <a:t>2/19/2021</a:t>
+              <a:t>7/10/21</a:t>
             </a:fld>
             <a:endParaRPr lang="en-US"/>
           </a:p>
@@ -863,7 +1299,7 @@
           <a:p>
             <a:fld id="{51B3A7B4-E0E3-3348-8640-EBFD71607F9D}" type="datetimeFigureOut">
               <a:rPr lang="en-US" smtClean="0"/>
-              <a:t>2/19/2021</a:t>
+              <a:t>7/10/21</a:t>
             </a:fld>
             <a:endParaRPr lang="en-US"/>
           </a:p>
@@ -1138,7 +1574,7 @@
           <a:p>
             <a:fld id="{51B3A7B4-E0E3-3348-8640-EBFD71607F9D}" type="datetimeFigureOut">
               <a:rPr lang="en-US" smtClean="0"/>
-              <a:t>2/19/2021</a:t>
+              <a:t>7/10/21</a:t>
             </a:fld>
             <a:endParaRPr lang="en-US"/>
           </a:p>
@@ -1403,7 +1839,7 @@
           <a:p>
             <a:fld id="{51B3A7B4-E0E3-3348-8640-EBFD71607F9D}" type="datetimeFigureOut">
               <a:rPr lang="en-US" smtClean="0"/>
-              <a:t>2/19/2021</a:t>
+              <a:t>7/10/21</a:t>
             </a:fld>
             <a:endParaRPr lang="en-US"/>
           </a:p>
@@ -1815,7 +2251,7 @@
           <a:p>
             <a:fld id="{51B3A7B4-E0E3-3348-8640-EBFD71607F9D}" type="datetimeFigureOut">
               <a:rPr lang="en-US" smtClean="0"/>
-              <a:t>2/19/2021</a:t>
+              <a:t>7/10/21</a:t>
             </a:fld>
             <a:endParaRPr lang="en-US"/>
           </a:p>
@@ -1956,7 +2392,7 @@
           <a:p>
             <a:fld id="{51B3A7B4-E0E3-3348-8640-EBFD71607F9D}" type="datetimeFigureOut">
               <a:rPr lang="en-US" smtClean="0"/>
-              <a:t>2/19/2021</a:t>
+              <a:t>7/10/21</a:t>
             </a:fld>
             <a:endParaRPr lang="en-US"/>
           </a:p>
@@ -2069,7 +2505,7 @@
           <a:p>
             <a:fld id="{51B3A7B4-E0E3-3348-8640-EBFD71607F9D}" type="datetimeFigureOut">
               <a:rPr lang="en-US" smtClean="0"/>
-              <a:t>2/19/2021</a:t>
+              <a:t>7/10/21</a:t>
             </a:fld>
             <a:endParaRPr lang="en-US"/>
           </a:p>
@@ -2380,7 +2816,7 @@
           <a:p>
             <a:fld id="{51B3A7B4-E0E3-3348-8640-EBFD71607F9D}" type="datetimeFigureOut">
               <a:rPr lang="en-US" smtClean="0"/>
-              <a:t>2/19/2021</a:t>
+              <a:t>7/10/21</a:t>
             </a:fld>
             <a:endParaRPr lang="en-US"/>
           </a:p>
@@ -2668,7 +3104,7 @@
           <a:p>
             <a:fld id="{51B3A7B4-E0E3-3348-8640-EBFD71607F9D}" type="datetimeFigureOut">
               <a:rPr lang="en-US" smtClean="0"/>
-              <a:t>2/19/2021</a:t>
+              <a:t>7/10/21</a:t>
             </a:fld>
             <a:endParaRPr lang="en-US"/>
           </a:p>
@@ -2909,7 +3345,7 @@
           <a:p>
             <a:fld id="{51B3A7B4-E0E3-3348-8640-EBFD71607F9D}" type="datetimeFigureOut">
               <a:rPr lang="en-US" smtClean="0"/>
-              <a:t>2/19/2021</a:t>
+              <a:t>7/10/21</a:t>
             </a:fld>
             <a:endParaRPr lang="en-US"/>
           </a:p>
@@ -3342,7 +3778,7 @@
         </p:nvCxnSpPr>
         <p:spPr>
           <a:xfrm>
-            <a:off x="5238310" y="1124465"/>
+            <a:off x="2818108" y="1124465"/>
             <a:ext cx="0" cy="914400"/>
           </a:xfrm>
           <a:prstGeom prst="line">
@@ -3381,7 +3817,7 @@
         </p:nvCxnSpPr>
         <p:spPr>
           <a:xfrm>
-            <a:off x="6020904" y="1124465"/>
+            <a:off x="5018824" y="1124465"/>
             <a:ext cx="0" cy="914400"/>
           </a:xfrm>
           <a:prstGeom prst="line">
@@ -3404,12 +3840,156 @@
           </a:fontRef>
         </p:style>
       </p:cxnSp>
+      <p:sp>
+        <p:nvSpPr>
+          <p:cNvPr id="10" name="TextBox 9">
+            <a:extLst>
+              <a:ext uri="{FF2B5EF4-FFF2-40B4-BE49-F238E27FC236}">
+                <a16:creationId xmlns:a16="http://schemas.microsoft.com/office/drawing/2014/main" id="{285EFFBE-4035-DA4D-8236-B8D7AC2A7D89}"/>
+              </a:ext>
+            </a:extLst>
+          </p:cNvPr>
+          <p:cNvSpPr txBox="1"/>
+          <p:nvPr/>
+        </p:nvSpPr>
+        <p:spPr>
+          <a:xfrm>
+            <a:off x="2568971" y="755133"/>
+            <a:ext cx="526106" cy="369332"/>
+          </a:xfrm>
+          <a:prstGeom prst="rect">
+            <a:avLst/>
+          </a:prstGeom>
+          <a:noFill/>
+        </p:spPr>
+        <p:txBody>
+          <a:bodyPr wrap="none" rtlCol="0">
+            <a:spAutoFit/>
+          </a:bodyPr>
+          <a:lstStyle/>
+          <a:p>
+            <a:pPr algn="ctr"/>
+            <a:r>
+              <a:rPr lang="en-US" dirty="0"/>
+              <a:t>VIO</a:t>
+            </a:r>
+          </a:p>
+        </p:txBody>
+      </p:sp>
+      <p:sp>
+        <p:nvSpPr>
+          <p:cNvPr id="12" name="TextBox 11">
+            <a:extLst>
+              <a:ext uri="{FF2B5EF4-FFF2-40B4-BE49-F238E27FC236}">
+                <a16:creationId xmlns:a16="http://schemas.microsoft.com/office/drawing/2014/main" id="{3533245B-F622-B04A-808E-668AFEFEFE67}"/>
+              </a:ext>
+            </a:extLst>
+          </p:cNvPr>
+          <p:cNvSpPr txBox="1"/>
+          <p:nvPr/>
+        </p:nvSpPr>
+        <p:spPr>
+          <a:xfrm>
+            <a:off x="4779015" y="755133"/>
+            <a:ext cx="479618" cy="369332"/>
+          </a:xfrm>
+          <a:prstGeom prst="rect">
+            <a:avLst/>
+          </a:prstGeom>
+          <a:noFill/>
+        </p:spPr>
+        <p:txBody>
+          <a:bodyPr wrap="none" rtlCol="0">
+            <a:spAutoFit/>
+          </a:bodyPr>
+          <a:lstStyle/>
+          <a:p>
+            <a:pPr algn="ctr"/>
+            <a:r>
+              <a:rPr lang="en-US" dirty="0"/>
+              <a:t>GND</a:t>
+            </a:r>
+          </a:p>
+        </p:txBody>
+      </p:sp>
+      <p:sp>
+        <p:nvSpPr>
+          <p:cNvPr id="14" name="TextBox 13">
+            <a:extLst>
+              <a:ext uri="{FF2B5EF4-FFF2-40B4-BE49-F238E27FC236}">
+                <a16:creationId xmlns:a16="http://schemas.microsoft.com/office/drawing/2014/main" id="{7E45ACD0-645A-104A-B09A-FCFE5EC13316}"/>
+              </a:ext>
+            </a:extLst>
+          </p:cNvPr>
+          <p:cNvSpPr txBox="1"/>
+          <p:nvPr/>
+        </p:nvSpPr>
+        <p:spPr>
+          <a:xfrm>
+            <a:off x="2330635" y="2088978"/>
+            <a:ext cx="974947" cy="369332"/>
+          </a:xfrm>
+          <a:prstGeom prst="rect">
+            <a:avLst/>
+          </a:prstGeom>
+          <a:noFill/>
+        </p:spPr>
+        <p:txBody>
+          <a:bodyPr wrap="none" rtlCol="0">
+            <a:spAutoFit/>
+          </a:bodyPr>
+          <a:lstStyle/>
+          <a:p>
+            <a:pPr algn="ctr"/>
+            <a:r>
+              <a:rPr lang="en-US" dirty="0"/>
+              <a:t>R5 (10K)</a:t>
+            </a:r>
+          </a:p>
+        </p:txBody>
+      </p:sp>
+      <p:sp>
+        <p:nvSpPr>
+          <p:cNvPr id="15" name="TextBox 14">
+            <a:extLst>
+              <a:ext uri="{FF2B5EF4-FFF2-40B4-BE49-F238E27FC236}">
+                <a16:creationId xmlns:a16="http://schemas.microsoft.com/office/drawing/2014/main" id="{9512088F-A4CA-F94F-BB10-162D9FD739D0}"/>
+              </a:ext>
+            </a:extLst>
+          </p:cNvPr>
+          <p:cNvSpPr txBox="1"/>
+          <p:nvPr/>
+        </p:nvSpPr>
+        <p:spPr>
+          <a:xfrm>
+            <a:off x="4551391" y="2088978"/>
+            <a:ext cx="934871" cy="369332"/>
+          </a:xfrm>
+          <a:prstGeom prst="rect">
+            <a:avLst/>
+          </a:prstGeom>
+          <a:noFill/>
+        </p:spPr>
+        <p:txBody>
+          <a:bodyPr wrap="none" rtlCol="0">
+            <a:spAutoFit/>
+          </a:bodyPr>
+          <a:lstStyle/>
+          <a:p>
+            <a:pPr algn="ctr"/>
+            <a:r>
+              <a:rPr lang="en-US" dirty="0"/>
+              <a:t>R6 (1M)</a:t>
+            </a:r>
+          </a:p>
+        </p:txBody>
+      </p:sp>
       <p:cxnSp>
         <p:nvCxnSpPr>
-          <p:cNvPr id="8" name="Straight Connector 7">
-            <a:extLst>
-              <a:ext uri="{FF2B5EF4-FFF2-40B4-BE49-F238E27FC236}">
-                <a16:creationId xmlns:a16="http://schemas.microsoft.com/office/drawing/2014/main" id="{1032E7DB-B73C-8D4B-81F8-FDA26A7EFD2A}"/>
+          <p:cNvPr id="18" name="Straight Connector 17">
+            <a:extLst>
+              <a:ext uri="{FF2B5EF4-FFF2-40B4-BE49-F238E27FC236}">
+                <a16:creationId xmlns:a16="http://schemas.microsoft.com/office/drawing/2014/main" id="{9C30D00B-3200-0D41-B62B-7A36F041BE38}"/>
               </a:ext>
             </a:extLst>
           </p:cNvPr>
@@ -3420,373 +4000,7 @@
         </p:nvCxnSpPr>
         <p:spPr>
           <a:xfrm>
-            <a:off x="6787023" y="1124465"/>
-            <a:ext cx="0" cy="914400"/>
-          </a:xfrm>
-          <a:prstGeom prst="line">
-            <a:avLst/>
-          </a:prstGeom>
-          <a:ln w="38100"/>
-        </p:spPr>
-        <p:style>
-          <a:lnRef idx="1">
-            <a:schemeClr val="accent1"/>
-          </a:lnRef>
-          <a:fillRef idx="0">
-            <a:schemeClr val="accent1"/>
-          </a:fillRef>
-          <a:effectRef idx="0">
-            <a:schemeClr val="accent1"/>
-          </a:effectRef>
-          <a:fontRef idx="minor">
-            <a:schemeClr val="tx1"/>
-          </a:fontRef>
-        </p:style>
-      </p:cxnSp>
-      <p:cxnSp>
-        <p:nvCxnSpPr>
-          <p:cNvPr id="9" name="Straight Connector 8">
-            <a:extLst>
-              <a:ext uri="{FF2B5EF4-FFF2-40B4-BE49-F238E27FC236}">
-                <a16:creationId xmlns:a16="http://schemas.microsoft.com/office/drawing/2014/main" id="{8C21D05F-423D-BC46-A97C-79622503DA54}"/>
-              </a:ext>
-            </a:extLst>
-          </p:cNvPr>
-          <p:cNvCxnSpPr>
-            <a:cxnSpLocks/>
-          </p:cNvCxnSpPr>
-          <p:nvPr/>
-        </p:nvCxnSpPr>
-        <p:spPr>
-          <a:xfrm>
-            <a:off x="7569617" y="1124465"/>
-            <a:ext cx="0" cy="914400"/>
-          </a:xfrm>
-          <a:prstGeom prst="line">
-            <a:avLst/>
-          </a:prstGeom>
-          <a:ln w="38100"/>
-        </p:spPr>
-        <p:style>
-          <a:lnRef idx="1">
-            <a:schemeClr val="accent1"/>
-          </a:lnRef>
-          <a:fillRef idx="0">
-            <a:schemeClr val="accent1"/>
-          </a:fillRef>
-          <a:effectRef idx="0">
-            <a:schemeClr val="accent1"/>
-          </a:effectRef>
-          <a:fontRef idx="minor">
-            <a:schemeClr val="tx1"/>
-          </a:fontRef>
-        </p:style>
-      </p:cxnSp>
-      <p:sp>
-        <p:nvSpPr>
-          <p:cNvPr id="10" name="TextBox 9">
-            <a:extLst>
-              <a:ext uri="{FF2B5EF4-FFF2-40B4-BE49-F238E27FC236}">
-                <a16:creationId xmlns:a16="http://schemas.microsoft.com/office/drawing/2014/main" id="{285EFFBE-4035-DA4D-8236-B8D7AC2A7D89}"/>
-              </a:ext>
-            </a:extLst>
-          </p:cNvPr>
-          <p:cNvSpPr txBox="1"/>
-          <p:nvPr/>
-        </p:nvSpPr>
-        <p:spPr>
-          <a:xfrm>
-            <a:off x="4989173" y="755133"/>
-            <a:ext cx="526106" cy="369332"/>
-          </a:xfrm>
-          <a:prstGeom prst="rect">
-            <a:avLst/>
-          </a:prstGeom>
-          <a:noFill/>
-        </p:spPr>
-        <p:txBody>
-          <a:bodyPr wrap="none" rtlCol="0">
-            <a:spAutoFit/>
-          </a:bodyPr>
-          <a:lstStyle/>
-          <a:p>
-            <a:pPr algn="ctr"/>
-            <a:r>
-              <a:rPr lang="en-US" dirty="0"/>
-              <a:t>VIO</a:t>
-            </a:r>
-          </a:p>
-        </p:txBody>
-      </p:sp>
-      <p:sp>
-        <p:nvSpPr>
-          <p:cNvPr id="11" name="TextBox 10">
-            <a:extLst>
-              <a:ext uri="{FF2B5EF4-FFF2-40B4-BE49-F238E27FC236}">
-                <a16:creationId xmlns:a16="http://schemas.microsoft.com/office/drawing/2014/main" id="{8BA98CB0-FFB6-7842-AF24-41A49A1753E2}"/>
-              </a:ext>
-            </a:extLst>
-          </p:cNvPr>
-          <p:cNvSpPr txBox="1"/>
-          <p:nvPr/>
-        </p:nvSpPr>
-        <p:spPr>
-          <a:xfrm>
-            <a:off x="6540445" y="755133"/>
-            <a:ext cx="526106" cy="369332"/>
-          </a:xfrm>
-          <a:prstGeom prst="rect">
-            <a:avLst/>
-          </a:prstGeom>
-          <a:noFill/>
-        </p:spPr>
-        <p:txBody>
-          <a:bodyPr wrap="none" rtlCol="0">
-            <a:spAutoFit/>
-          </a:bodyPr>
-          <a:lstStyle/>
-          <a:p>
-            <a:pPr algn="ctr"/>
-            <a:r>
-              <a:rPr lang="en-US" dirty="0"/>
-              <a:t>VIO</a:t>
-            </a:r>
-          </a:p>
-        </p:txBody>
-      </p:sp>
-      <p:sp>
-        <p:nvSpPr>
-          <p:cNvPr id="12" name="TextBox 11">
-            <a:extLst>
-              <a:ext uri="{FF2B5EF4-FFF2-40B4-BE49-F238E27FC236}">
-                <a16:creationId xmlns:a16="http://schemas.microsoft.com/office/drawing/2014/main" id="{3533245B-F622-B04A-808E-668AFEFEFE67}"/>
-              </a:ext>
-            </a:extLst>
-          </p:cNvPr>
-          <p:cNvSpPr txBox="1"/>
-          <p:nvPr/>
-        </p:nvSpPr>
-        <p:spPr>
-          <a:xfrm>
-            <a:off x="5781095" y="755133"/>
-            <a:ext cx="479618" cy="369332"/>
-          </a:xfrm>
-          <a:prstGeom prst="rect">
-            <a:avLst/>
-          </a:prstGeom>
-          <a:noFill/>
-        </p:spPr>
-        <p:txBody>
-          <a:bodyPr wrap="none" rtlCol="0">
-            <a:spAutoFit/>
-          </a:bodyPr>
-          <a:lstStyle/>
-          <a:p>
-            <a:pPr algn="ctr"/>
-            <a:r>
-              <a:rPr lang="en-US" dirty="0"/>
-              <a:t>GND</a:t>
-            </a:r>
-          </a:p>
-        </p:txBody>
-      </p:sp>
-      <p:sp>
-        <p:nvSpPr>
-          <p:cNvPr id="13" name="TextBox 12">
-            <a:extLst>
-              <a:ext uri="{FF2B5EF4-FFF2-40B4-BE49-F238E27FC236}">
-                <a16:creationId xmlns:a16="http://schemas.microsoft.com/office/drawing/2014/main" id="{C523709C-F0D5-9F42-9182-8B87032553A2}"/>
-              </a:ext>
-            </a:extLst>
-          </p:cNvPr>
-          <p:cNvSpPr txBox="1"/>
-          <p:nvPr/>
-        </p:nvSpPr>
-        <p:spPr>
-          <a:xfrm>
-            <a:off x="7313129" y="755133"/>
-            <a:ext cx="479618" cy="369332"/>
-          </a:xfrm>
-          <a:prstGeom prst="rect">
-            <a:avLst/>
-          </a:prstGeom>
-          <a:noFill/>
-        </p:spPr>
-        <p:txBody>
-          <a:bodyPr wrap="none" rtlCol="0">
-            <a:spAutoFit/>
-          </a:bodyPr>
-          <a:lstStyle/>
-          <a:p>
-            <a:pPr algn="ctr"/>
-            <a:r>
-              <a:rPr lang="en-US" dirty="0"/>
-              <a:t>GND</a:t>
-            </a:r>
-          </a:p>
-        </p:txBody>
-      </p:sp>
-      <p:sp>
-        <p:nvSpPr>
-          <p:cNvPr id="14" name="TextBox 13">
-            <a:extLst>
-              <a:ext uri="{FF2B5EF4-FFF2-40B4-BE49-F238E27FC236}">
-                <a16:creationId xmlns:a16="http://schemas.microsoft.com/office/drawing/2014/main" id="{7E45ACD0-645A-104A-B09A-FCFE5EC13316}"/>
-              </a:ext>
-            </a:extLst>
-          </p:cNvPr>
-          <p:cNvSpPr txBox="1"/>
-          <p:nvPr/>
-        </p:nvSpPr>
-        <p:spPr>
-          <a:xfrm>
-            <a:off x="4871062" y="2088978"/>
-            <a:ext cx="734496" cy="369332"/>
-          </a:xfrm>
-          <a:prstGeom prst="rect">
-            <a:avLst/>
-          </a:prstGeom>
-          <a:noFill/>
-        </p:spPr>
-        <p:txBody>
-          <a:bodyPr wrap="none" rtlCol="0">
-            <a:spAutoFit/>
-          </a:bodyPr>
-          <a:lstStyle/>
-          <a:p>
-            <a:pPr algn="ctr"/>
-            <a:r>
-              <a:rPr lang="en-US" dirty="0"/>
-              <a:t>R-10K</a:t>
-            </a:r>
-          </a:p>
-        </p:txBody>
-      </p:sp>
-      <p:sp>
-        <p:nvSpPr>
-          <p:cNvPr id="15" name="TextBox 14">
-            <a:extLst>
-              <a:ext uri="{FF2B5EF4-FFF2-40B4-BE49-F238E27FC236}">
-                <a16:creationId xmlns:a16="http://schemas.microsoft.com/office/drawing/2014/main" id="{9512088F-A4CA-F94F-BB10-162D9FD739D0}"/>
-              </a:ext>
-            </a:extLst>
-          </p:cNvPr>
-          <p:cNvSpPr txBox="1"/>
-          <p:nvPr/>
-        </p:nvSpPr>
-        <p:spPr>
-          <a:xfrm>
-            <a:off x="5772278" y="2088978"/>
-            <a:ext cx="497252" cy="369332"/>
-          </a:xfrm>
-          <a:prstGeom prst="rect">
-            <a:avLst/>
-          </a:prstGeom>
-          <a:noFill/>
-        </p:spPr>
-        <p:txBody>
-          <a:bodyPr wrap="none" rtlCol="0">
-            <a:spAutoFit/>
-          </a:bodyPr>
-          <a:lstStyle/>
-          <a:p>
-            <a:pPr algn="ctr"/>
-            <a:r>
-              <a:rPr lang="en-US" dirty="0"/>
-              <a:t>R-1M</a:t>
-            </a:r>
-          </a:p>
-        </p:txBody>
-      </p:sp>
-      <p:sp>
-        <p:nvSpPr>
-          <p:cNvPr id="16" name="TextBox 15">
-            <a:extLst>
-              <a:ext uri="{FF2B5EF4-FFF2-40B4-BE49-F238E27FC236}">
-                <a16:creationId xmlns:a16="http://schemas.microsoft.com/office/drawing/2014/main" id="{2E052244-F2DB-5F4A-BE3A-0E4AC74FD423}"/>
-              </a:ext>
-            </a:extLst>
-          </p:cNvPr>
-          <p:cNvSpPr txBox="1"/>
-          <p:nvPr/>
-        </p:nvSpPr>
-        <p:spPr>
-          <a:xfrm>
-            <a:off x="6461627" y="2088978"/>
-            <a:ext cx="734496" cy="369332"/>
-          </a:xfrm>
-          <a:prstGeom prst="rect">
-            <a:avLst/>
-          </a:prstGeom>
-          <a:noFill/>
-        </p:spPr>
-        <p:txBody>
-          <a:bodyPr wrap="square" rtlCol="0">
-            <a:spAutoFit/>
-          </a:bodyPr>
-          <a:lstStyle/>
-          <a:p>
-            <a:pPr algn="ctr"/>
-            <a:r>
-              <a:rPr lang="en-US" dirty="0"/>
-              <a:t>R-10K</a:t>
-            </a:r>
-          </a:p>
-        </p:txBody>
-      </p:sp>
-      <p:sp>
-        <p:nvSpPr>
-          <p:cNvPr id="17" name="TextBox 16">
-            <a:extLst>
-              <a:ext uri="{FF2B5EF4-FFF2-40B4-BE49-F238E27FC236}">
-                <a16:creationId xmlns:a16="http://schemas.microsoft.com/office/drawing/2014/main" id="{E5A8B821-E004-A846-91BF-02FECC76ADF2}"/>
-              </a:ext>
-            </a:extLst>
-          </p:cNvPr>
-          <p:cNvSpPr txBox="1"/>
-          <p:nvPr/>
-        </p:nvSpPr>
-        <p:spPr>
-          <a:xfrm>
-            <a:off x="7244221" y="2088978"/>
-            <a:ext cx="734496" cy="369332"/>
-          </a:xfrm>
-          <a:prstGeom prst="rect">
-            <a:avLst/>
-          </a:prstGeom>
-          <a:noFill/>
-        </p:spPr>
-        <p:txBody>
-          <a:bodyPr wrap="square" rtlCol="0">
-            <a:spAutoFit/>
-          </a:bodyPr>
-          <a:lstStyle/>
-          <a:p>
-            <a:pPr algn="ctr"/>
-            <a:r>
-              <a:rPr lang="en-US" dirty="0"/>
-              <a:t>R-1M</a:t>
-            </a:r>
-          </a:p>
-        </p:txBody>
-      </p:sp>
-      <p:cxnSp>
-        <p:nvCxnSpPr>
-          <p:cNvPr id="18" name="Straight Connector 17">
-            <a:extLst>
-              <a:ext uri="{FF2B5EF4-FFF2-40B4-BE49-F238E27FC236}">
-                <a16:creationId xmlns:a16="http://schemas.microsoft.com/office/drawing/2014/main" id="{9C30D00B-3200-0D41-B62B-7A36F041BE38}"/>
-              </a:ext>
-            </a:extLst>
-          </p:cNvPr>
-          <p:cNvCxnSpPr>
-            <a:cxnSpLocks/>
-          </p:cNvCxnSpPr>
-          <p:nvPr/>
-        </p:nvCxnSpPr>
-        <p:spPr>
-          <a:xfrm>
-            <a:off x="5238310" y="2514600"/>
+            <a:off x="2818108" y="2514600"/>
             <a:ext cx="0" cy="914400"/>
           </a:xfrm>
           <a:prstGeom prst="line">
@@ -3825,85 +4039,7 @@
         </p:nvCxnSpPr>
         <p:spPr>
           <a:xfrm>
-            <a:off x="6020904" y="2514600"/>
-            <a:ext cx="0" cy="914400"/>
-          </a:xfrm>
-          <a:prstGeom prst="line">
-            <a:avLst/>
-          </a:prstGeom>
-          <a:ln w="38100"/>
-        </p:spPr>
-        <p:style>
-          <a:lnRef idx="1">
-            <a:schemeClr val="accent1"/>
-          </a:lnRef>
-          <a:fillRef idx="0">
-            <a:schemeClr val="accent1"/>
-          </a:fillRef>
-          <a:effectRef idx="0">
-            <a:schemeClr val="accent1"/>
-          </a:effectRef>
-          <a:fontRef idx="minor">
-            <a:schemeClr val="tx1"/>
-          </a:fontRef>
-        </p:style>
-      </p:cxnSp>
-      <p:cxnSp>
-        <p:nvCxnSpPr>
-          <p:cNvPr id="20" name="Straight Connector 19">
-            <a:extLst>
-              <a:ext uri="{FF2B5EF4-FFF2-40B4-BE49-F238E27FC236}">
-                <a16:creationId xmlns:a16="http://schemas.microsoft.com/office/drawing/2014/main" id="{D8A25787-0FDB-024B-AAEF-DA51663C0EAC}"/>
-              </a:ext>
-            </a:extLst>
-          </p:cNvPr>
-          <p:cNvCxnSpPr>
-            <a:cxnSpLocks/>
-          </p:cNvCxnSpPr>
-          <p:nvPr/>
-        </p:nvCxnSpPr>
-        <p:spPr>
-          <a:xfrm>
-            <a:off x="6787023" y="2514600"/>
-            <a:ext cx="0" cy="914400"/>
-          </a:xfrm>
-          <a:prstGeom prst="line">
-            <a:avLst/>
-          </a:prstGeom>
-          <a:ln w="38100"/>
-        </p:spPr>
-        <p:style>
-          <a:lnRef idx="1">
-            <a:schemeClr val="accent1"/>
-          </a:lnRef>
-          <a:fillRef idx="0">
-            <a:schemeClr val="accent1"/>
-          </a:fillRef>
-          <a:effectRef idx="0">
-            <a:schemeClr val="accent1"/>
-          </a:effectRef>
-          <a:fontRef idx="minor">
-            <a:schemeClr val="tx1"/>
-          </a:fontRef>
-        </p:style>
-      </p:cxnSp>
-      <p:cxnSp>
-        <p:nvCxnSpPr>
-          <p:cNvPr id="21" name="Straight Connector 20">
-            <a:extLst>
-              <a:ext uri="{FF2B5EF4-FFF2-40B4-BE49-F238E27FC236}">
-                <a16:creationId xmlns:a16="http://schemas.microsoft.com/office/drawing/2014/main" id="{C3DC1378-0954-3D44-A7E2-A27D5C635AF1}"/>
-              </a:ext>
-            </a:extLst>
-          </p:cNvPr>
-          <p:cNvCxnSpPr>
-            <a:cxnSpLocks/>
-          </p:cNvCxnSpPr>
-          <p:nvPr/>
-        </p:nvCxnSpPr>
-        <p:spPr>
-          <a:xfrm>
-            <a:off x="7569617" y="2514600"/>
+            <a:off x="5018824" y="2514600"/>
             <a:ext cx="0" cy="914400"/>
           </a:xfrm>
           <a:prstGeom prst="line">
@@ -3941,9 +4077,9 @@
           <p:nvPr/>
         </p:nvCxnSpPr>
         <p:spPr>
-          <a:xfrm flipH="1">
-            <a:off x="5229372" y="4756668"/>
-            <a:ext cx="791532" cy="10301"/>
+          <a:xfrm flipH="1" flipV="1">
+            <a:off x="2818108" y="4748403"/>
+            <a:ext cx="2200717" cy="8266"/>
           </a:xfrm>
           <a:prstGeom prst="line">
             <a:avLst/>
@@ -3965,12 +4101,48 @@
           </a:fontRef>
         </p:style>
       </p:cxnSp>
+      <p:sp>
+        <p:nvSpPr>
+          <p:cNvPr id="27" name="TextBox 26">
+            <a:extLst>
+              <a:ext uri="{FF2B5EF4-FFF2-40B4-BE49-F238E27FC236}">
+                <a16:creationId xmlns:a16="http://schemas.microsoft.com/office/drawing/2014/main" id="{7F7C3DFB-EA86-8F47-960A-E776A632AD4E}"/>
+              </a:ext>
+            </a:extLst>
+          </p:cNvPr>
+          <p:cNvSpPr txBox="1"/>
+          <p:nvPr/>
+        </p:nvSpPr>
+        <p:spPr>
+          <a:xfrm>
+            <a:off x="2347499" y="3447875"/>
+            <a:ext cx="941220" cy="369332"/>
+          </a:xfrm>
+          <a:prstGeom prst="rect">
+            <a:avLst/>
+          </a:prstGeom>
+          <a:noFill/>
+        </p:spPr>
+        <p:txBody>
+          <a:bodyPr wrap="none" rtlCol="0">
+            <a:spAutoFit/>
+          </a:bodyPr>
+          <a:lstStyle/>
+          <a:p>
+            <a:pPr algn="ctr"/>
+            <a:r>
+              <a:rPr lang="en-US" dirty="0"/>
+              <a:t>DSW1-1</a:t>
+            </a:r>
+          </a:p>
+        </p:txBody>
+      </p:sp>
       <p:cxnSp>
         <p:nvCxnSpPr>
-          <p:cNvPr id="25" name="Straight Connector 24">
-            <a:extLst>
-              <a:ext uri="{FF2B5EF4-FFF2-40B4-BE49-F238E27FC236}">
-                <a16:creationId xmlns:a16="http://schemas.microsoft.com/office/drawing/2014/main" id="{449E1A4E-812E-BB44-B859-BA1BEFAD8330}"/>
+          <p:cNvPr id="31" name="Straight Connector 30">
+            <a:extLst>
+              <a:ext uri="{FF2B5EF4-FFF2-40B4-BE49-F238E27FC236}">
+                <a16:creationId xmlns:a16="http://schemas.microsoft.com/office/drawing/2014/main" id="{2F6A4CDB-F2AE-FA44-A517-2A961BB7081B}"/>
               </a:ext>
             </a:extLst>
           </p:cNvPr>
@@ -3980,191 +4152,8 @@
           <p:nvPr/>
         </p:nvCxnSpPr>
         <p:spPr>
-          <a:xfrm flipH="1" flipV="1">
-            <a:off x="6770344" y="4750491"/>
-            <a:ext cx="782594" cy="6177"/>
-          </a:xfrm>
-          <a:prstGeom prst="line">
-            <a:avLst/>
-          </a:prstGeom>
-          <a:ln w="38100"/>
-        </p:spPr>
-        <p:style>
-          <a:lnRef idx="1">
-            <a:schemeClr val="accent1"/>
-          </a:lnRef>
-          <a:fillRef idx="0">
-            <a:schemeClr val="accent1"/>
-          </a:fillRef>
-          <a:effectRef idx="0">
-            <a:schemeClr val="accent1"/>
-          </a:effectRef>
-          <a:fontRef idx="minor">
-            <a:schemeClr val="tx1"/>
-          </a:fontRef>
-        </p:style>
-      </p:cxnSp>
-      <p:sp>
-        <p:nvSpPr>
-          <p:cNvPr id="27" name="TextBox 26">
-            <a:extLst>
-              <a:ext uri="{FF2B5EF4-FFF2-40B4-BE49-F238E27FC236}">
-                <a16:creationId xmlns:a16="http://schemas.microsoft.com/office/drawing/2014/main" id="{7F7C3DFB-EA86-8F47-960A-E776A632AD4E}"/>
-              </a:ext>
-            </a:extLst>
-          </p:cNvPr>
-          <p:cNvSpPr txBox="1"/>
-          <p:nvPr/>
-        </p:nvSpPr>
-        <p:spPr>
-          <a:xfrm>
-            <a:off x="4991319" y="3422823"/>
-            <a:ext cx="493981" cy="369332"/>
-          </a:xfrm>
-          <a:prstGeom prst="rect">
-            <a:avLst/>
-          </a:prstGeom>
-          <a:noFill/>
-        </p:spPr>
-        <p:txBody>
-          <a:bodyPr wrap="none" rtlCol="0">
-            <a:spAutoFit/>
-          </a:bodyPr>
-          <a:lstStyle/>
-          <a:p>
-            <a:pPr algn="ctr"/>
-            <a:r>
-              <a:rPr lang="en-US" dirty="0"/>
-              <a:t>SW0</a:t>
-            </a:r>
-          </a:p>
-        </p:txBody>
-      </p:sp>
-      <p:sp>
-        <p:nvSpPr>
-          <p:cNvPr id="28" name="TextBox 27">
-            <a:extLst>
-              <a:ext uri="{FF2B5EF4-FFF2-40B4-BE49-F238E27FC236}">
-                <a16:creationId xmlns:a16="http://schemas.microsoft.com/office/drawing/2014/main" id="{6FEE59CE-D1D0-4B40-8BDE-D8E041341601}"/>
-              </a:ext>
-            </a:extLst>
-          </p:cNvPr>
-          <p:cNvSpPr txBox="1"/>
-          <p:nvPr/>
-        </p:nvSpPr>
-        <p:spPr>
-          <a:xfrm>
-            <a:off x="5715404" y="3422823"/>
-            <a:ext cx="611001" cy="369332"/>
-          </a:xfrm>
-          <a:prstGeom prst="rect">
-            <a:avLst/>
-          </a:prstGeom>
-          <a:noFill/>
-        </p:spPr>
-        <p:txBody>
-          <a:bodyPr wrap="none" rtlCol="0">
-            <a:spAutoFit/>
-          </a:bodyPr>
-          <a:lstStyle/>
-          <a:p>
-            <a:pPr algn="ctr"/>
-            <a:r>
-              <a:rPr lang="en-US" dirty="0"/>
-              <a:t>SW1</a:t>
-            </a:r>
-          </a:p>
-        </p:txBody>
-      </p:sp>
-      <p:sp>
-        <p:nvSpPr>
-          <p:cNvPr id="29" name="TextBox 28">
-            <a:extLst>
-              <a:ext uri="{FF2B5EF4-FFF2-40B4-BE49-F238E27FC236}">
-                <a16:creationId xmlns:a16="http://schemas.microsoft.com/office/drawing/2014/main" id="{DBBC0EDA-DC7A-6B4E-923D-97DFB884A0AE}"/>
-              </a:ext>
-            </a:extLst>
-          </p:cNvPr>
-          <p:cNvSpPr txBox="1"/>
-          <p:nvPr/>
-        </p:nvSpPr>
-        <p:spPr>
-          <a:xfrm>
-            <a:off x="6461627" y="3422823"/>
-            <a:ext cx="734496" cy="369332"/>
-          </a:xfrm>
-          <a:prstGeom prst="rect">
-            <a:avLst/>
-          </a:prstGeom>
-          <a:noFill/>
-        </p:spPr>
-        <p:txBody>
-          <a:bodyPr wrap="square" rtlCol="0">
-            <a:spAutoFit/>
-          </a:bodyPr>
-          <a:lstStyle/>
-          <a:p>
-            <a:pPr algn="ctr"/>
-            <a:r>
-              <a:rPr lang="en-US" dirty="0"/>
-              <a:t>SW2</a:t>
-            </a:r>
-          </a:p>
-        </p:txBody>
-      </p:sp>
-      <p:sp>
-        <p:nvSpPr>
-          <p:cNvPr id="30" name="TextBox 29">
-            <a:extLst>
-              <a:ext uri="{FF2B5EF4-FFF2-40B4-BE49-F238E27FC236}">
-                <a16:creationId xmlns:a16="http://schemas.microsoft.com/office/drawing/2014/main" id="{990E7AF9-3E37-3844-B7A2-B01989DCBBD1}"/>
-              </a:ext>
-            </a:extLst>
-          </p:cNvPr>
-          <p:cNvSpPr txBox="1"/>
-          <p:nvPr/>
-        </p:nvSpPr>
-        <p:spPr>
-          <a:xfrm>
-            <a:off x="7244221" y="3422823"/>
-            <a:ext cx="734496" cy="369332"/>
-          </a:xfrm>
-          <a:prstGeom prst="rect">
-            <a:avLst/>
-          </a:prstGeom>
-          <a:noFill/>
-        </p:spPr>
-        <p:txBody>
-          <a:bodyPr wrap="square" rtlCol="0">
-            <a:spAutoFit/>
-          </a:bodyPr>
-          <a:lstStyle/>
-          <a:p>
-            <a:pPr algn="ctr"/>
-            <a:r>
-              <a:rPr lang="en-US" dirty="0"/>
-              <a:t>SW3</a:t>
-            </a:r>
-          </a:p>
-        </p:txBody>
-      </p:sp>
-      <p:cxnSp>
-        <p:nvCxnSpPr>
-          <p:cNvPr id="31" name="Straight Connector 30">
-            <a:extLst>
-              <a:ext uri="{FF2B5EF4-FFF2-40B4-BE49-F238E27FC236}">
-                <a16:creationId xmlns:a16="http://schemas.microsoft.com/office/drawing/2014/main" id="{2F6A4CDB-F2AE-FA44-A517-2A961BB7081B}"/>
-              </a:ext>
-            </a:extLst>
-          </p:cNvPr>
-          <p:cNvCxnSpPr>
-            <a:cxnSpLocks/>
-          </p:cNvCxnSpPr>
-          <p:nvPr/>
-        </p:nvCxnSpPr>
-        <p:spPr>
-          <a:xfrm>
-            <a:off x="5238310" y="3848445"/>
+          <a:xfrm>
+            <a:off x="2818108" y="3848445"/>
             <a:ext cx="0" cy="914400"/>
           </a:xfrm>
           <a:prstGeom prst="line">
@@ -4203,85 +4192,7 @@
         </p:nvCxnSpPr>
         <p:spPr>
           <a:xfrm>
-            <a:off x="6020904" y="3848445"/>
-            <a:ext cx="0" cy="914400"/>
-          </a:xfrm>
-          <a:prstGeom prst="line">
-            <a:avLst/>
-          </a:prstGeom>
-          <a:ln w="38100"/>
-        </p:spPr>
-        <p:style>
-          <a:lnRef idx="1">
-            <a:schemeClr val="accent1"/>
-          </a:lnRef>
-          <a:fillRef idx="0">
-            <a:schemeClr val="accent1"/>
-          </a:fillRef>
-          <a:effectRef idx="0">
-            <a:schemeClr val="accent1"/>
-          </a:effectRef>
-          <a:fontRef idx="minor">
-            <a:schemeClr val="tx1"/>
-          </a:fontRef>
-        </p:style>
-      </p:cxnSp>
-      <p:cxnSp>
-        <p:nvCxnSpPr>
-          <p:cNvPr id="33" name="Straight Connector 32">
-            <a:extLst>
-              <a:ext uri="{FF2B5EF4-FFF2-40B4-BE49-F238E27FC236}">
-                <a16:creationId xmlns:a16="http://schemas.microsoft.com/office/drawing/2014/main" id="{F62FC79C-5D32-C245-9726-2E5113A2E605}"/>
-              </a:ext>
-            </a:extLst>
-          </p:cNvPr>
-          <p:cNvCxnSpPr>
-            <a:cxnSpLocks/>
-          </p:cNvCxnSpPr>
-          <p:nvPr/>
-        </p:nvCxnSpPr>
-        <p:spPr>
-          <a:xfrm>
-            <a:off x="6787023" y="3848445"/>
-            <a:ext cx="0" cy="914400"/>
-          </a:xfrm>
-          <a:prstGeom prst="line">
-            <a:avLst/>
-          </a:prstGeom>
-          <a:ln w="38100"/>
-        </p:spPr>
-        <p:style>
-          <a:lnRef idx="1">
-            <a:schemeClr val="accent1"/>
-          </a:lnRef>
-          <a:fillRef idx="0">
-            <a:schemeClr val="accent1"/>
-          </a:fillRef>
-          <a:effectRef idx="0">
-            <a:schemeClr val="accent1"/>
-          </a:effectRef>
-          <a:fontRef idx="minor">
-            <a:schemeClr val="tx1"/>
-          </a:fontRef>
-        </p:style>
-      </p:cxnSp>
-      <p:cxnSp>
-        <p:nvCxnSpPr>
-          <p:cNvPr id="34" name="Straight Connector 33">
-            <a:extLst>
-              <a:ext uri="{FF2B5EF4-FFF2-40B4-BE49-F238E27FC236}">
-                <a16:creationId xmlns:a16="http://schemas.microsoft.com/office/drawing/2014/main" id="{96FB47A1-E67C-3142-8E9E-CECAA8F26D38}"/>
-              </a:ext>
-            </a:extLst>
-          </p:cNvPr>
-          <p:cNvCxnSpPr>
-            <a:cxnSpLocks/>
-          </p:cNvCxnSpPr>
-          <p:nvPr/>
-        </p:nvCxnSpPr>
-        <p:spPr>
-          <a:xfrm>
-            <a:off x="7569617" y="3848445"/>
+            <a:off x="5018824" y="3848445"/>
             <a:ext cx="0" cy="914400"/>
           </a:xfrm>
           <a:prstGeom prst="line">
@@ -4320,13 +4231,90 @@
         </p:nvCxnSpPr>
         <p:spPr>
           <a:xfrm>
-            <a:off x="5625138" y="4750491"/>
+            <a:off x="3918466" y="4748403"/>
             <a:ext cx="0" cy="914400"/>
           </a:xfrm>
           <a:prstGeom prst="line">
             <a:avLst/>
           </a:prstGeom>
           <a:ln w="38100"/>
+        </p:spPr>
+        <p:style>
+          <a:lnRef idx="1">
+            <a:schemeClr val="accent1"/>
+          </a:lnRef>
+          <a:fillRef idx="0">
+            <a:schemeClr val="accent1"/>
+          </a:fillRef>
+          <a:effectRef idx="0">
+            <a:schemeClr val="accent1"/>
+          </a:effectRef>
+          <a:fontRef idx="minor">
+            <a:schemeClr val="tx1"/>
+          </a:fontRef>
+        </p:style>
+      </p:cxnSp>
+      <p:sp>
+        <p:nvSpPr>
+          <p:cNvPr id="38" name="TextBox 37">
+            <a:extLst>
+              <a:ext uri="{FF2B5EF4-FFF2-40B4-BE49-F238E27FC236}">
+                <a16:creationId xmlns:a16="http://schemas.microsoft.com/office/drawing/2014/main" id="{E786B942-5DE5-624C-A4E2-AD470ECCA0C6}"/>
+              </a:ext>
+            </a:extLst>
+          </p:cNvPr>
+          <p:cNvSpPr txBox="1"/>
+          <p:nvPr/>
+        </p:nvSpPr>
+        <p:spPr>
+          <a:xfrm>
+            <a:off x="3378215" y="5744520"/>
+            <a:ext cx="1072666" cy="369332"/>
+          </a:xfrm>
+          <a:prstGeom prst="rect">
+            <a:avLst/>
+          </a:prstGeom>
+          <a:noFill/>
+        </p:spPr>
+        <p:txBody>
+          <a:bodyPr wrap="none" rtlCol="0">
+            <a:spAutoFit/>
+          </a:bodyPr>
+          <a:lstStyle/>
+          <a:p>
+            <a:pPr algn="ctr"/>
+            <a:r>
+              <a:rPr lang="en-US" dirty="0"/>
+              <a:t>REFSEL_0</a:t>
+            </a:r>
+          </a:p>
+        </p:txBody>
+      </p:sp>
+      <p:cxnSp>
+        <p:nvCxnSpPr>
+          <p:cNvPr id="35" name="Straight Connector 34">
+            <a:extLst>
+              <a:ext uri="{FF2B5EF4-FFF2-40B4-BE49-F238E27FC236}">
+                <a16:creationId xmlns:a16="http://schemas.microsoft.com/office/drawing/2014/main" id="{0C2B21DC-F72C-9141-812D-BDC18AC9C452}"/>
+              </a:ext>
+            </a:extLst>
+          </p:cNvPr>
+          <p:cNvCxnSpPr>
+            <a:cxnSpLocks/>
+          </p:cNvCxnSpPr>
+          <p:nvPr/>
+        </p:nvCxnSpPr>
+        <p:spPr>
+          <a:xfrm flipH="1">
+            <a:off x="2051990" y="3069771"/>
+            <a:ext cx="766118" cy="0"/>
+          </a:xfrm>
+          <a:prstGeom prst="line">
+            <a:avLst/>
+          </a:prstGeom>
+          <a:ln w="38100">
+            <a:headEnd type="oval"/>
+          </a:ln>
         </p:spPr>
         <p:style>
           <a:lnRef idx="1">
@@ -4345,10 +4333,10 @@
       </p:cxnSp>
       <p:cxnSp>
         <p:nvCxnSpPr>
-          <p:cNvPr id="37" name="Straight Connector 36">
-            <a:extLst>
-              <a:ext uri="{FF2B5EF4-FFF2-40B4-BE49-F238E27FC236}">
-                <a16:creationId xmlns:a16="http://schemas.microsoft.com/office/drawing/2014/main" id="{F716BD4F-B878-F94F-924F-924F01442AB8}"/>
+          <p:cNvPr id="40" name="Straight Connector 39">
+            <a:extLst>
+              <a:ext uri="{FF2B5EF4-FFF2-40B4-BE49-F238E27FC236}">
+                <a16:creationId xmlns:a16="http://schemas.microsoft.com/office/drawing/2014/main" id="{2763A18B-C48F-8F41-A2F5-301A299CCBEA}"/>
               </a:ext>
             </a:extLst>
           </p:cNvPr>
@@ -4359,8 +4347,8 @@
         </p:nvCxnSpPr>
         <p:spPr>
           <a:xfrm>
-            <a:off x="7196123" y="4750491"/>
-            <a:ext cx="0" cy="914400"/>
+            <a:off x="2051990" y="3069771"/>
+            <a:ext cx="0" cy="353052"/>
           </a:xfrm>
           <a:prstGeom prst="line">
             <a:avLst/>
@@ -4384,10 +4372,10 @@
       </p:cxnSp>
       <p:sp>
         <p:nvSpPr>
-          <p:cNvPr id="38" name="TextBox 37">
-            <a:extLst>
-              <a:ext uri="{FF2B5EF4-FFF2-40B4-BE49-F238E27FC236}">
-                <a16:creationId xmlns:a16="http://schemas.microsoft.com/office/drawing/2014/main" id="{E786B942-5DE5-624C-A4E2-AD470ECCA0C6}"/>
+          <p:cNvPr id="41" name="TextBox 40">
+            <a:extLst>
+              <a:ext uri="{FF2B5EF4-FFF2-40B4-BE49-F238E27FC236}">
+                <a16:creationId xmlns:a16="http://schemas.microsoft.com/office/drawing/2014/main" id="{08B89520-71C0-A649-8048-3BFEC52DE700}"/>
               </a:ext>
             </a:extLst>
           </p:cNvPr>
@@ -4396,8 +4384,8 @@
         </p:nvSpPr>
         <p:spPr>
           <a:xfrm>
-            <a:off x="5217470" y="5744520"/>
-            <a:ext cx="776175" cy="369332"/>
+            <a:off x="1430260" y="3447875"/>
+            <a:ext cx="917239" cy="369332"/>
           </a:xfrm>
           <a:prstGeom prst="rect">
             <a:avLst/>
@@ -4413,17 +4401,97 @@
             <a:pPr algn="ctr"/>
             <a:r>
               <a:rPr lang="en-US" dirty="0"/>
-              <a:t>GPIO0</a:t>
-            </a:r>
-          </a:p>
-        </p:txBody>
-      </p:sp>
-      <p:sp>
-        <p:nvSpPr>
-          <p:cNvPr id="39" name="TextBox 38">
-            <a:extLst>
-              <a:ext uri="{FF2B5EF4-FFF2-40B4-BE49-F238E27FC236}">
-                <a16:creationId xmlns:a16="http://schemas.microsoft.com/office/drawing/2014/main" id="{AC44E6A5-2829-5C4A-ABC4-FDFA3C2F67AD}"/>
+              <a:t>R1 (NU)</a:t>
+            </a:r>
+          </a:p>
+        </p:txBody>
+      </p:sp>
+      <p:cxnSp>
+        <p:nvCxnSpPr>
+          <p:cNvPr id="42" name="Straight Connector 41">
+            <a:extLst>
+              <a:ext uri="{FF2B5EF4-FFF2-40B4-BE49-F238E27FC236}">
+                <a16:creationId xmlns:a16="http://schemas.microsoft.com/office/drawing/2014/main" id="{B6310DC4-8B74-AA47-97B3-B4D4F8B4792D}"/>
+              </a:ext>
+            </a:extLst>
+          </p:cNvPr>
+          <p:cNvCxnSpPr>
+            <a:cxnSpLocks/>
+          </p:cNvCxnSpPr>
+          <p:nvPr/>
+        </p:nvCxnSpPr>
+        <p:spPr>
+          <a:xfrm flipH="1">
+            <a:off x="2054078" y="4199199"/>
+            <a:ext cx="766118" cy="0"/>
+          </a:xfrm>
+          <a:prstGeom prst="line">
+            <a:avLst/>
+          </a:prstGeom>
+          <a:ln w="38100">
+            <a:headEnd type="oval"/>
+          </a:ln>
+        </p:spPr>
+        <p:style>
+          <a:lnRef idx="1">
+            <a:schemeClr val="accent1"/>
+          </a:lnRef>
+          <a:fillRef idx="0">
+            <a:schemeClr val="accent1"/>
+          </a:fillRef>
+          <a:effectRef idx="0">
+            <a:schemeClr val="accent1"/>
+          </a:effectRef>
+          <a:fontRef idx="minor">
+            <a:schemeClr val="tx1"/>
+          </a:fontRef>
+        </p:style>
+      </p:cxnSp>
+      <p:cxnSp>
+        <p:nvCxnSpPr>
+          <p:cNvPr id="43" name="Straight Connector 42">
+            <a:extLst>
+              <a:ext uri="{FF2B5EF4-FFF2-40B4-BE49-F238E27FC236}">
+                <a16:creationId xmlns:a16="http://schemas.microsoft.com/office/drawing/2014/main" id="{2DD03A79-8D84-C042-9F4D-DB1214223FB7}"/>
+              </a:ext>
+            </a:extLst>
+          </p:cNvPr>
+          <p:cNvCxnSpPr>
+            <a:cxnSpLocks/>
+          </p:cNvCxnSpPr>
+          <p:nvPr/>
+        </p:nvCxnSpPr>
+        <p:spPr>
+          <a:xfrm>
+            <a:off x="2054078" y="3848471"/>
+            <a:ext cx="0" cy="353052"/>
+          </a:xfrm>
+          <a:prstGeom prst="line">
+            <a:avLst/>
+          </a:prstGeom>
+          <a:ln w="38100"/>
+        </p:spPr>
+        <p:style>
+          <a:lnRef idx="1">
+            <a:schemeClr val="accent1"/>
+          </a:lnRef>
+          <a:fillRef idx="0">
+            <a:schemeClr val="accent1"/>
+          </a:fillRef>
+          <a:effectRef idx="0">
+            <a:schemeClr val="accent1"/>
+          </a:effectRef>
+          <a:fontRef idx="minor">
+            <a:schemeClr val="tx1"/>
+          </a:fontRef>
+        </p:style>
+      </p:cxnSp>
+      <p:sp>
+        <p:nvSpPr>
+          <p:cNvPr id="44" name="TextBox 43">
+            <a:extLst>
+              <a:ext uri="{FF2B5EF4-FFF2-40B4-BE49-F238E27FC236}">
+                <a16:creationId xmlns:a16="http://schemas.microsoft.com/office/drawing/2014/main" id="{785A7E7C-D8FC-9F44-A9E6-06D4910C8153}"/>
               </a:ext>
             </a:extLst>
           </p:cNvPr>
@@ -4432,8 +4500,8 @@
         </p:nvSpPr>
         <p:spPr>
           <a:xfrm>
-            <a:off x="6776763" y="5744520"/>
-            <a:ext cx="776175" cy="369332"/>
+            <a:off x="4554163" y="3449963"/>
+            <a:ext cx="941220" cy="369332"/>
           </a:xfrm>
           <a:prstGeom prst="rect">
             <a:avLst/>
@@ -4449,11 +4517,1163 @@
             <a:pPr algn="ctr"/>
             <a:r>
               <a:rPr lang="en-US" dirty="0"/>
-              <a:t>GPIO1</a:t>
-            </a:r>
-          </a:p>
-        </p:txBody>
-      </p:sp>
+              <a:t>DSW1-2</a:t>
+            </a:r>
+          </a:p>
+        </p:txBody>
+      </p:sp>
+      <p:cxnSp>
+        <p:nvCxnSpPr>
+          <p:cNvPr id="45" name="Straight Connector 44">
+            <a:extLst>
+              <a:ext uri="{FF2B5EF4-FFF2-40B4-BE49-F238E27FC236}">
+                <a16:creationId xmlns:a16="http://schemas.microsoft.com/office/drawing/2014/main" id="{78CA0571-D682-B346-A04F-4FEEC7BEC4D5}"/>
+              </a:ext>
+            </a:extLst>
+          </p:cNvPr>
+          <p:cNvCxnSpPr>
+            <a:cxnSpLocks/>
+          </p:cNvCxnSpPr>
+          <p:nvPr/>
+        </p:nvCxnSpPr>
+        <p:spPr>
+          <a:xfrm flipH="1">
+            <a:off x="4258654" y="3071859"/>
+            <a:ext cx="766118" cy="0"/>
+          </a:xfrm>
+          <a:prstGeom prst="line">
+            <a:avLst/>
+          </a:prstGeom>
+          <a:ln w="38100">
+            <a:headEnd type="oval"/>
+          </a:ln>
+        </p:spPr>
+        <p:style>
+          <a:lnRef idx="1">
+            <a:schemeClr val="accent1"/>
+          </a:lnRef>
+          <a:fillRef idx="0">
+            <a:schemeClr val="accent1"/>
+          </a:fillRef>
+          <a:effectRef idx="0">
+            <a:schemeClr val="accent1"/>
+          </a:effectRef>
+          <a:fontRef idx="minor">
+            <a:schemeClr val="tx1"/>
+          </a:fontRef>
+        </p:style>
+      </p:cxnSp>
+      <p:cxnSp>
+        <p:nvCxnSpPr>
+          <p:cNvPr id="46" name="Straight Connector 45">
+            <a:extLst>
+              <a:ext uri="{FF2B5EF4-FFF2-40B4-BE49-F238E27FC236}">
+                <a16:creationId xmlns:a16="http://schemas.microsoft.com/office/drawing/2014/main" id="{A9BCC3C5-86C9-F74D-A88A-B84349D73B72}"/>
+              </a:ext>
+            </a:extLst>
+          </p:cNvPr>
+          <p:cNvCxnSpPr>
+            <a:cxnSpLocks/>
+          </p:cNvCxnSpPr>
+          <p:nvPr/>
+        </p:nvCxnSpPr>
+        <p:spPr>
+          <a:xfrm>
+            <a:off x="4258654" y="3071859"/>
+            <a:ext cx="0" cy="353052"/>
+          </a:xfrm>
+          <a:prstGeom prst="line">
+            <a:avLst/>
+          </a:prstGeom>
+          <a:ln w="38100"/>
+        </p:spPr>
+        <p:style>
+          <a:lnRef idx="1">
+            <a:schemeClr val="accent1"/>
+          </a:lnRef>
+          <a:fillRef idx="0">
+            <a:schemeClr val="accent1"/>
+          </a:fillRef>
+          <a:effectRef idx="0">
+            <a:schemeClr val="accent1"/>
+          </a:effectRef>
+          <a:fontRef idx="minor">
+            <a:schemeClr val="tx1"/>
+          </a:fontRef>
+        </p:style>
+      </p:cxnSp>
+      <p:sp>
+        <p:nvSpPr>
+          <p:cNvPr id="47" name="TextBox 46">
+            <a:extLst>
+              <a:ext uri="{FF2B5EF4-FFF2-40B4-BE49-F238E27FC236}">
+                <a16:creationId xmlns:a16="http://schemas.microsoft.com/office/drawing/2014/main" id="{591A5C8D-1567-B344-AE79-2A3ED1380FD2}"/>
+              </a:ext>
+            </a:extLst>
+          </p:cNvPr>
+          <p:cNvSpPr txBox="1"/>
+          <p:nvPr/>
+        </p:nvSpPr>
+        <p:spPr>
+          <a:xfrm>
+            <a:off x="3636924" y="3449963"/>
+            <a:ext cx="917239" cy="369332"/>
+          </a:xfrm>
+          <a:prstGeom prst="rect">
+            <a:avLst/>
+          </a:prstGeom>
+          <a:noFill/>
+        </p:spPr>
+        <p:txBody>
+          <a:bodyPr wrap="none" rtlCol="0">
+            <a:spAutoFit/>
+          </a:bodyPr>
+          <a:lstStyle/>
+          <a:p>
+            <a:pPr algn="ctr"/>
+            <a:r>
+              <a:rPr lang="en-US" dirty="0"/>
+              <a:t>R2 (NU)</a:t>
+            </a:r>
+          </a:p>
+        </p:txBody>
+      </p:sp>
+      <p:cxnSp>
+        <p:nvCxnSpPr>
+          <p:cNvPr id="48" name="Straight Connector 47">
+            <a:extLst>
+              <a:ext uri="{FF2B5EF4-FFF2-40B4-BE49-F238E27FC236}">
+                <a16:creationId xmlns:a16="http://schemas.microsoft.com/office/drawing/2014/main" id="{B7BCA98D-7D76-194B-A1B4-75DB8871FB4C}"/>
+              </a:ext>
+            </a:extLst>
+          </p:cNvPr>
+          <p:cNvCxnSpPr>
+            <a:cxnSpLocks/>
+          </p:cNvCxnSpPr>
+          <p:nvPr/>
+        </p:nvCxnSpPr>
+        <p:spPr>
+          <a:xfrm flipH="1">
+            <a:off x="4260742" y="4201287"/>
+            <a:ext cx="766118" cy="0"/>
+          </a:xfrm>
+          <a:prstGeom prst="line">
+            <a:avLst/>
+          </a:prstGeom>
+          <a:ln w="38100">
+            <a:headEnd type="oval"/>
+          </a:ln>
+        </p:spPr>
+        <p:style>
+          <a:lnRef idx="1">
+            <a:schemeClr val="accent1"/>
+          </a:lnRef>
+          <a:fillRef idx="0">
+            <a:schemeClr val="accent1"/>
+          </a:fillRef>
+          <a:effectRef idx="0">
+            <a:schemeClr val="accent1"/>
+          </a:effectRef>
+          <a:fontRef idx="minor">
+            <a:schemeClr val="tx1"/>
+          </a:fontRef>
+        </p:style>
+      </p:cxnSp>
+      <p:cxnSp>
+        <p:nvCxnSpPr>
+          <p:cNvPr id="49" name="Straight Connector 48">
+            <a:extLst>
+              <a:ext uri="{FF2B5EF4-FFF2-40B4-BE49-F238E27FC236}">
+                <a16:creationId xmlns:a16="http://schemas.microsoft.com/office/drawing/2014/main" id="{CD9C31A1-51A8-924F-8FD6-89497DB12CC0}"/>
+              </a:ext>
+            </a:extLst>
+          </p:cNvPr>
+          <p:cNvCxnSpPr>
+            <a:cxnSpLocks/>
+          </p:cNvCxnSpPr>
+          <p:nvPr/>
+        </p:nvCxnSpPr>
+        <p:spPr>
+          <a:xfrm>
+            <a:off x="4260742" y="3850559"/>
+            <a:ext cx="0" cy="353052"/>
+          </a:xfrm>
+          <a:prstGeom prst="line">
+            <a:avLst/>
+          </a:prstGeom>
+          <a:ln w="38100"/>
+        </p:spPr>
+        <p:style>
+          <a:lnRef idx="1">
+            <a:schemeClr val="accent1"/>
+          </a:lnRef>
+          <a:fillRef idx="0">
+            <a:schemeClr val="accent1"/>
+          </a:fillRef>
+          <a:effectRef idx="0">
+            <a:schemeClr val="accent1"/>
+          </a:effectRef>
+          <a:fontRef idx="minor">
+            <a:schemeClr val="tx1"/>
+          </a:fontRef>
+        </p:style>
+      </p:cxnSp>
+      <p:cxnSp>
+        <p:nvCxnSpPr>
+          <p:cNvPr id="50" name="Straight Connector 49">
+            <a:extLst>
+              <a:ext uri="{FF2B5EF4-FFF2-40B4-BE49-F238E27FC236}">
+                <a16:creationId xmlns:a16="http://schemas.microsoft.com/office/drawing/2014/main" id="{031A084B-986A-D643-8B9B-DA1C02E5459C}"/>
+              </a:ext>
+            </a:extLst>
+          </p:cNvPr>
+          <p:cNvCxnSpPr>
+            <a:cxnSpLocks/>
+          </p:cNvCxnSpPr>
+          <p:nvPr/>
+        </p:nvCxnSpPr>
+        <p:spPr>
+          <a:xfrm>
+            <a:off x="7241874" y="1126553"/>
+            <a:ext cx="0" cy="914400"/>
+          </a:xfrm>
+          <a:prstGeom prst="line">
+            <a:avLst/>
+          </a:prstGeom>
+          <a:ln w="38100"/>
+        </p:spPr>
+        <p:style>
+          <a:lnRef idx="1">
+            <a:schemeClr val="accent1"/>
+          </a:lnRef>
+          <a:fillRef idx="0">
+            <a:schemeClr val="accent1"/>
+          </a:fillRef>
+          <a:effectRef idx="0">
+            <a:schemeClr val="accent1"/>
+          </a:effectRef>
+          <a:fontRef idx="minor">
+            <a:schemeClr val="tx1"/>
+          </a:fontRef>
+        </p:style>
+      </p:cxnSp>
+      <p:cxnSp>
+        <p:nvCxnSpPr>
+          <p:cNvPr id="51" name="Straight Connector 50">
+            <a:extLst>
+              <a:ext uri="{FF2B5EF4-FFF2-40B4-BE49-F238E27FC236}">
+                <a16:creationId xmlns:a16="http://schemas.microsoft.com/office/drawing/2014/main" id="{5368E9A5-27AA-1A4C-BA3E-50AF829B532B}"/>
+              </a:ext>
+            </a:extLst>
+          </p:cNvPr>
+          <p:cNvCxnSpPr>
+            <a:cxnSpLocks/>
+          </p:cNvCxnSpPr>
+          <p:nvPr/>
+        </p:nvCxnSpPr>
+        <p:spPr>
+          <a:xfrm>
+            <a:off x="9442590" y="1126553"/>
+            <a:ext cx="0" cy="914400"/>
+          </a:xfrm>
+          <a:prstGeom prst="line">
+            <a:avLst/>
+          </a:prstGeom>
+          <a:ln w="38100"/>
+        </p:spPr>
+        <p:style>
+          <a:lnRef idx="1">
+            <a:schemeClr val="accent1"/>
+          </a:lnRef>
+          <a:fillRef idx="0">
+            <a:schemeClr val="accent1"/>
+          </a:fillRef>
+          <a:effectRef idx="0">
+            <a:schemeClr val="accent1"/>
+          </a:effectRef>
+          <a:fontRef idx="minor">
+            <a:schemeClr val="tx1"/>
+          </a:fontRef>
+        </p:style>
+      </p:cxnSp>
+      <p:sp>
+        <p:nvSpPr>
+          <p:cNvPr id="52" name="TextBox 51">
+            <a:extLst>
+              <a:ext uri="{FF2B5EF4-FFF2-40B4-BE49-F238E27FC236}">
+                <a16:creationId xmlns:a16="http://schemas.microsoft.com/office/drawing/2014/main" id="{AE2AD579-F6D4-CF45-B563-2CB79AFAC90A}"/>
+              </a:ext>
+            </a:extLst>
+          </p:cNvPr>
+          <p:cNvSpPr txBox="1"/>
+          <p:nvPr/>
+        </p:nvSpPr>
+        <p:spPr>
+          <a:xfrm>
+            <a:off x="6992737" y="757221"/>
+            <a:ext cx="526106" cy="369332"/>
+          </a:xfrm>
+          <a:prstGeom prst="rect">
+            <a:avLst/>
+          </a:prstGeom>
+          <a:noFill/>
+        </p:spPr>
+        <p:txBody>
+          <a:bodyPr wrap="none" rtlCol="0">
+            <a:spAutoFit/>
+          </a:bodyPr>
+          <a:lstStyle/>
+          <a:p>
+            <a:pPr algn="ctr"/>
+            <a:r>
+              <a:rPr lang="en-US" dirty="0"/>
+              <a:t>VIO</a:t>
+            </a:r>
+          </a:p>
+        </p:txBody>
+      </p:sp>
+      <p:sp>
+        <p:nvSpPr>
+          <p:cNvPr id="53" name="TextBox 52">
+            <a:extLst>
+              <a:ext uri="{FF2B5EF4-FFF2-40B4-BE49-F238E27FC236}">
+                <a16:creationId xmlns:a16="http://schemas.microsoft.com/office/drawing/2014/main" id="{84D9D1D6-4DA3-7643-9C13-5DD7D7857928}"/>
+              </a:ext>
+            </a:extLst>
+          </p:cNvPr>
+          <p:cNvSpPr txBox="1"/>
+          <p:nvPr/>
+        </p:nvSpPr>
+        <p:spPr>
+          <a:xfrm>
+            <a:off x="9202781" y="757221"/>
+            <a:ext cx="479618" cy="369332"/>
+          </a:xfrm>
+          <a:prstGeom prst="rect">
+            <a:avLst/>
+          </a:prstGeom>
+          <a:noFill/>
+        </p:spPr>
+        <p:txBody>
+          <a:bodyPr wrap="none" rtlCol="0">
+            <a:spAutoFit/>
+          </a:bodyPr>
+          <a:lstStyle/>
+          <a:p>
+            <a:pPr algn="ctr"/>
+            <a:r>
+              <a:rPr lang="en-US" dirty="0"/>
+              <a:t>GND</a:t>
+            </a:r>
+          </a:p>
+        </p:txBody>
+      </p:sp>
+      <p:sp>
+        <p:nvSpPr>
+          <p:cNvPr id="54" name="TextBox 53">
+            <a:extLst>
+              <a:ext uri="{FF2B5EF4-FFF2-40B4-BE49-F238E27FC236}">
+                <a16:creationId xmlns:a16="http://schemas.microsoft.com/office/drawing/2014/main" id="{398F6AC9-B9DC-4D46-BD7B-8C556BDBF231}"/>
+              </a:ext>
+            </a:extLst>
+          </p:cNvPr>
+          <p:cNvSpPr txBox="1"/>
+          <p:nvPr/>
+        </p:nvSpPr>
+        <p:spPr>
+          <a:xfrm>
+            <a:off x="6754401" y="2091066"/>
+            <a:ext cx="974947" cy="369332"/>
+          </a:xfrm>
+          <a:prstGeom prst="rect">
+            <a:avLst/>
+          </a:prstGeom>
+          <a:noFill/>
+        </p:spPr>
+        <p:txBody>
+          <a:bodyPr wrap="none" rtlCol="0">
+            <a:spAutoFit/>
+          </a:bodyPr>
+          <a:lstStyle/>
+          <a:p>
+            <a:pPr algn="ctr"/>
+            <a:r>
+              <a:rPr lang="en-US" dirty="0"/>
+              <a:t>R7 (10K)</a:t>
+            </a:r>
+          </a:p>
+        </p:txBody>
+      </p:sp>
+      <p:sp>
+        <p:nvSpPr>
+          <p:cNvPr id="55" name="TextBox 54">
+            <a:extLst>
+              <a:ext uri="{FF2B5EF4-FFF2-40B4-BE49-F238E27FC236}">
+                <a16:creationId xmlns:a16="http://schemas.microsoft.com/office/drawing/2014/main" id="{9432285D-3883-C24F-A494-012AD5A96E8B}"/>
+              </a:ext>
+            </a:extLst>
+          </p:cNvPr>
+          <p:cNvSpPr txBox="1"/>
+          <p:nvPr/>
+        </p:nvSpPr>
+        <p:spPr>
+          <a:xfrm>
+            <a:off x="8975157" y="2091066"/>
+            <a:ext cx="934871" cy="369332"/>
+          </a:xfrm>
+          <a:prstGeom prst="rect">
+            <a:avLst/>
+          </a:prstGeom>
+          <a:noFill/>
+        </p:spPr>
+        <p:txBody>
+          <a:bodyPr wrap="none" rtlCol="0">
+            <a:spAutoFit/>
+          </a:bodyPr>
+          <a:lstStyle/>
+          <a:p>
+            <a:pPr algn="ctr"/>
+            <a:r>
+              <a:rPr lang="en-US" dirty="0"/>
+              <a:t>R8 (1M)</a:t>
+            </a:r>
+          </a:p>
+        </p:txBody>
+      </p:sp>
+      <p:cxnSp>
+        <p:nvCxnSpPr>
+          <p:cNvPr id="56" name="Straight Connector 55">
+            <a:extLst>
+              <a:ext uri="{FF2B5EF4-FFF2-40B4-BE49-F238E27FC236}">
+                <a16:creationId xmlns:a16="http://schemas.microsoft.com/office/drawing/2014/main" id="{130B44FA-1EFA-E142-A8D8-F903D0C16BAE}"/>
+              </a:ext>
+            </a:extLst>
+          </p:cNvPr>
+          <p:cNvCxnSpPr>
+            <a:cxnSpLocks/>
+          </p:cNvCxnSpPr>
+          <p:nvPr/>
+        </p:nvCxnSpPr>
+        <p:spPr>
+          <a:xfrm>
+            <a:off x="7241874" y="2516688"/>
+            <a:ext cx="0" cy="914400"/>
+          </a:xfrm>
+          <a:prstGeom prst="line">
+            <a:avLst/>
+          </a:prstGeom>
+          <a:ln w="38100"/>
+        </p:spPr>
+        <p:style>
+          <a:lnRef idx="1">
+            <a:schemeClr val="accent1"/>
+          </a:lnRef>
+          <a:fillRef idx="0">
+            <a:schemeClr val="accent1"/>
+          </a:fillRef>
+          <a:effectRef idx="0">
+            <a:schemeClr val="accent1"/>
+          </a:effectRef>
+          <a:fontRef idx="minor">
+            <a:schemeClr val="tx1"/>
+          </a:fontRef>
+        </p:style>
+      </p:cxnSp>
+      <p:cxnSp>
+        <p:nvCxnSpPr>
+          <p:cNvPr id="57" name="Straight Connector 56">
+            <a:extLst>
+              <a:ext uri="{FF2B5EF4-FFF2-40B4-BE49-F238E27FC236}">
+                <a16:creationId xmlns:a16="http://schemas.microsoft.com/office/drawing/2014/main" id="{2B04501F-C040-B542-8D7F-96D19E30B0B9}"/>
+              </a:ext>
+            </a:extLst>
+          </p:cNvPr>
+          <p:cNvCxnSpPr>
+            <a:cxnSpLocks/>
+          </p:cNvCxnSpPr>
+          <p:nvPr/>
+        </p:nvCxnSpPr>
+        <p:spPr>
+          <a:xfrm>
+            <a:off x="9442590" y="2516688"/>
+            <a:ext cx="0" cy="914400"/>
+          </a:xfrm>
+          <a:prstGeom prst="line">
+            <a:avLst/>
+          </a:prstGeom>
+          <a:ln w="38100"/>
+        </p:spPr>
+        <p:style>
+          <a:lnRef idx="1">
+            <a:schemeClr val="accent1"/>
+          </a:lnRef>
+          <a:fillRef idx="0">
+            <a:schemeClr val="accent1"/>
+          </a:fillRef>
+          <a:effectRef idx="0">
+            <a:schemeClr val="accent1"/>
+          </a:effectRef>
+          <a:fontRef idx="minor">
+            <a:schemeClr val="tx1"/>
+          </a:fontRef>
+        </p:style>
+      </p:cxnSp>
+      <p:cxnSp>
+        <p:nvCxnSpPr>
+          <p:cNvPr id="58" name="Straight Connector 57">
+            <a:extLst>
+              <a:ext uri="{FF2B5EF4-FFF2-40B4-BE49-F238E27FC236}">
+                <a16:creationId xmlns:a16="http://schemas.microsoft.com/office/drawing/2014/main" id="{5F38E567-93EC-BB46-AF60-5DA0AC153C3B}"/>
+              </a:ext>
+            </a:extLst>
+          </p:cNvPr>
+          <p:cNvCxnSpPr>
+            <a:cxnSpLocks/>
+          </p:cNvCxnSpPr>
+          <p:nvPr/>
+        </p:nvCxnSpPr>
+        <p:spPr>
+          <a:xfrm flipH="1" flipV="1">
+            <a:off x="7241874" y="4750491"/>
+            <a:ext cx="2200717" cy="8266"/>
+          </a:xfrm>
+          <a:prstGeom prst="line">
+            <a:avLst/>
+          </a:prstGeom>
+          <a:ln w="38100"/>
+        </p:spPr>
+        <p:style>
+          <a:lnRef idx="1">
+            <a:schemeClr val="accent1"/>
+          </a:lnRef>
+          <a:fillRef idx="0">
+            <a:schemeClr val="accent1"/>
+          </a:fillRef>
+          <a:effectRef idx="0">
+            <a:schemeClr val="accent1"/>
+          </a:effectRef>
+          <a:fontRef idx="minor">
+            <a:schemeClr val="tx1"/>
+          </a:fontRef>
+        </p:style>
+      </p:cxnSp>
+      <p:sp>
+        <p:nvSpPr>
+          <p:cNvPr id="59" name="TextBox 58">
+            <a:extLst>
+              <a:ext uri="{FF2B5EF4-FFF2-40B4-BE49-F238E27FC236}">
+                <a16:creationId xmlns:a16="http://schemas.microsoft.com/office/drawing/2014/main" id="{07FC37FD-A1BE-C440-8EEA-6CAD9C1B993C}"/>
+              </a:ext>
+            </a:extLst>
+          </p:cNvPr>
+          <p:cNvSpPr txBox="1"/>
+          <p:nvPr/>
+        </p:nvSpPr>
+        <p:spPr>
+          <a:xfrm>
+            <a:off x="6771265" y="3449963"/>
+            <a:ext cx="941220" cy="369332"/>
+          </a:xfrm>
+          <a:prstGeom prst="rect">
+            <a:avLst/>
+          </a:prstGeom>
+          <a:noFill/>
+        </p:spPr>
+        <p:txBody>
+          <a:bodyPr wrap="none" rtlCol="0">
+            <a:spAutoFit/>
+          </a:bodyPr>
+          <a:lstStyle/>
+          <a:p>
+            <a:pPr algn="ctr"/>
+            <a:r>
+              <a:rPr lang="en-US" dirty="0"/>
+              <a:t>DSW1-3</a:t>
+            </a:r>
+          </a:p>
+        </p:txBody>
+      </p:sp>
+      <p:cxnSp>
+        <p:nvCxnSpPr>
+          <p:cNvPr id="60" name="Straight Connector 59">
+            <a:extLst>
+              <a:ext uri="{FF2B5EF4-FFF2-40B4-BE49-F238E27FC236}">
+                <a16:creationId xmlns:a16="http://schemas.microsoft.com/office/drawing/2014/main" id="{5FD98BD6-EDB0-6440-924A-70167BF7AA5E}"/>
+              </a:ext>
+            </a:extLst>
+          </p:cNvPr>
+          <p:cNvCxnSpPr>
+            <a:cxnSpLocks/>
+          </p:cNvCxnSpPr>
+          <p:nvPr/>
+        </p:nvCxnSpPr>
+        <p:spPr>
+          <a:xfrm>
+            <a:off x="7241874" y="3850533"/>
+            <a:ext cx="0" cy="914400"/>
+          </a:xfrm>
+          <a:prstGeom prst="line">
+            <a:avLst/>
+          </a:prstGeom>
+          <a:ln w="38100"/>
+        </p:spPr>
+        <p:style>
+          <a:lnRef idx="1">
+            <a:schemeClr val="accent1"/>
+          </a:lnRef>
+          <a:fillRef idx="0">
+            <a:schemeClr val="accent1"/>
+          </a:fillRef>
+          <a:effectRef idx="0">
+            <a:schemeClr val="accent1"/>
+          </a:effectRef>
+          <a:fontRef idx="minor">
+            <a:schemeClr val="tx1"/>
+          </a:fontRef>
+        </p:style>
+      </p:cxnSp>
+      <p:cxnSp>
+        <p:nvCxnSpPr>
+          <p:cNvPr id="61" name="Straight Connector 60">
+            <a:extLst>
+              <a:ext uri="{FF2B5EF4-FFF2-40B4-BE49-F238E27FC236}">
+                <a16:creationId xmlns:a16="http://schemas.microsoft.com/office/drawing/2014/main" id="{8F1F4A95-B947-0B42-AFE9-69283FAC418E}"/>
+              </a:ext>
+            </a:extLst>
+          </p:cNvPr>
+          <p:cNvCxnSpPr>
+            <a:cxnSpLocks/>
+          </p:cNvCxnSpPr>
+          <p:nvPr/>
+        </p:nvCxnSpPr>
+        <p:spPr>
+          <a:xfrm>
+            <a:off x="9442590" y="3850533"/>
+            <a:ext cx="0" cy="914400"/>
+          </a:xfrm>
+          <a:prstGeom prst="line">
+            <a:avLst/>
+          </a:prstGeom>
+          <a:ln w="38100"/>
+        </p:spPr>
+        <p:style>
+          <a:lnRef idx="1">
+            <a:schemeClr val="accent1"/>
+          </a:lnRef>
+          <a:fillRef idx="0">
+            <a:schemeClr val="accent1"/>
+          </a:fillRef>
+          <a:effectRef idx="0">
+            <a:schemeClr val="accent1"/>
+          </a:effectRef>
+          <a:fontRef idx="minor">
+            <a:schemeClr val="tx1"/>
+          </a:fontRef>
+        </p:style>
+      </p:cxnSp>
+      <p:cxnSp>
+        <p:nvCxnSpPr>
+          <p:cNvPr id="62" name="Straight Connector 61">
+            <a:extLst>
+              <a:ext uri="{FF2B5EF4-FFF2-40B4-BE49-F238E27FC236}">
+                <a16:creationId xmlns:a16="http://schemas.microsoft.com/office/drawing/2014/main" id="{F74D2014-C83F-0F4B-81F0-B8E2C1EFAEA7}"/>
+              </a:ext>
+            </a:extLst>
+          </p:cNvPr>
+          <p:cNvCxnSpPr>
+            <a:cxnSpLocks/>
+          </p:cNvCxnSpPr>
+          <p:nvPr/>
+        </p:nvCxnSpPr>
+        <p:spPr>
+          <a:xfrm>
+            <a:off x="8342232" y="4750491"/>
+            <a:ext cx="0" cy="914400"/>
+          </a:xfrm>
+          <a:prstGeom prst="line">
+            <a:avLst/>
+          </a:prstGeom>
+          <a:ln w="38100"/>
+        </p:spPr>
+        <p:style>
+          <a:lnRef idx="1">
+            <a:schemeClr val="accent1"/>
+          </a:lnRef>
+          <a:fillRef idx="0">
+            <a:schemeClr val="accent1"/>
+          </a:fillRef>
+          <a:effectRef idx="0">
+            <a:schemeClr val="accent1"/>
+          </a:effectRef>
+          <a:fontRef idx="minor">
+            <a:schemeClr val="tx1"/>
+          </a:fontRef>
+        </p:style>
+      </p:cxnSp>
+      <p:sp>
+        <p:nvSpPr>
+          <p:cNvPr id="63" name="TextBox 62">
+            <a:extLst>
+              <a:ext uri="{FF2B5EF4-FFF2-40B4-BE49-F238E27FC236}">
+                <a16:creationId xmlns:a16="http://schemas.microsoft.com/office/drawing/2014/main" id="{AC5429DB-D2C4-4243-A31C-E060F2C36E4E}"/>
+              </a:ext>
+            </a:extLst>
+          </p:cNvPr>
+          <p:cNvSpPr txBox="1"/>
+          <p:nvPr/>
+        </p:nvSpPr>
+        <p:spPr>
+          <a:xfrm>
+            <a:off x="7801981" y="5746608"/>
+            <a:ext cx="1072666" cy="369332"/>
+          </a:xfrm>
+          <a:prstGeom prst="rect">
+            <a:avLst/>
+          </a:prstGeom>
+          <a:noFill/>
+        </p:spPr>
+        <p:txBody>
+          <a:bodyPr wrap="none" rtlCol="0">
+            <a:spAutoFit/>
+          </a:bodyPr>
+          <a:lstStyle/>
+          <a:p>
+            <a:pPr algn="ctr"/>
+            <a:r>
+              <a:rPr lang="en-US" dirty="0"/>
+              <a:t>REFSEL_1</a:t>
+            </a:r>
+          </a:p>
+        </p:txBody>
+      </p:sp>
+      <p:cxnSp>
+        <p:nvCxnSpPr>
+          <p:cNvPr id="64" name="Straight Connector 63">
+            <a:extLst>
+              <a:ext uri="{FF2B5EF4-FFF2-40B4-BE49-F238E27FC236}">
+                <a16:creationId xmlns:a16="http://schemas.microsoft.com/office/drawing/2014/main" id="{1CDDC7DF-78A3-C442-B3E7-82DA653E1641}"/>
+              </a:ext>
+            </a:extLst>
+          </p:cNvPr>
+          <p:cNvCxnSpPr>
+            <a:cxnSpLocks/>
+          </p:cNvCxnSpPr>
+          <p:nvPr/>
+        </p:nvCxnSpPr>
+        <p:spPr>
+          <a:xfrm flipH="1">
+            <a:off x="6475756" y="3071859"/>
+            <a:ext cx="766118" cy="0"/>
+          </a:xfrm>
+          <a:prstGeom prst="line">
+            <a:avLst/>
+          </a:prstGeom>
+          <a:ln w="38100">
+            <a:headEnd type="oval"/>
+          </a:ln>
+        </p:spPr>
+        <p:style>
+          <a:lnRef idx="1">
+            <a:schemeClr val="accent1"/>
+          </a:lnRef>
+          <a:fillRef idx="0">
+            <a:schemeClr val="accent1"/>
+          </a:fillRef>
+          <a:effectRef idx="0">
+            <a:schemeClr val="accent1"/>
+          </a:effectRef>
+          <a:fontRef idx="minor">
+            <a:schemeClr val="tx1"/>
+          </a:fontRef>
+        </p:style>
+      </p:cxnSp>
+      <p:cxnSp>
+        <p:nvCxnSpPr>
+          <p:cNvPr id="65" name="Straight Connector 64">
+            <a:extLst>
+              <a:ext uri="{FF2B5EF4-FFF2-40B4-BE49-F238E27FC236}">
+                <a16:creationId xmlns:a16="http://schemas.microsoft.com/office/drawing/2014/main" id="{E65F3506-34B4-C741-8F28-53A084DB0BE6}"/>
+              </a:ext>
+            </a:extLst>
+          </p:cNvPr>
+          <p:cNvCxnSpPr>
+            <a:cxnSpLocks/>
+          </p:cNvCxnSpPr>
+          <p:nvPr/>
+        </p:nvCxnSpPr>
+        <p:spPr>
+          <a:xfrm>
+            <a:off x="6475756" y="3071859"/>
+            <a:ext cx="0" cy="353052"/>
+          </a:xfrm>
+          <a:prstGeom prst="line">
+            <a:avLst/>
+          </a:prstGeom>
+          <a:ln w="38100"/>
+        </p:spPr>
+        <p:style>
+          <a:lnRef idx="1">
+            <a:schemeClr val="accent1"/>
+          </a:lnRef>
+          <a:fillRef idx="0">
+            <a:schemeClr val="accent1"/>
+          </a:fillRef>
+          <a:effectRef idx="0">
+            <a:schemeClr val="accent1"/>
+          </a:effectRef>
+          <a:fontRef idx="minor">
+            <a:schemeClr val="tx1"/>
+          </a:fontRef>
+        </p:style>
+      </p:cxnSp>
+      <p:sp>
+        <p:nvSpPr>
+          <p:cNvPr id="66" name="TextBox 65">
+            <a:extLst>
+              <a:ext uri="{FF2B5EF4-FFF2-40B4-BE49-F238E27FC236}">
+                <a16:creationId xmlns:a16="http://schemas.microsoft.com/office/drawing/2014/main" id="{13BBE44B-EE0B-D84D-B7CF-6C252F1B3CAD}"/>
+              </a:ext>
+            </a:extLst>
+          </p:cNvPr>
+          <p:cNvSpPr txBox="1"/>
+          <p:nvPr/>
+        </p:nvSpPr>
+        <p:spPr>
+          <a:xfrm>
+            <a:off x="5854026" y="3449963"/>
+            <a:ext cx="917239" cy="369332"/>
+          </a:xfrm>
+          <a:prstGeom prst="rect">
+            <a:avLst/>
+          </a:prstGeom>
+          <a:noFill/>
+        </p:spPr>
+        <p:txBody>
+          <a:bodyPr wrap="none" rtlCol="0">
+            <a:spAutoFit/>
+          </a:bodyPr>
+          <a:lstStyle/>
+          <a:p>
+            <a:pPr algn="ctr"/>
+            <a:r>
+              <a:rPr lang="en-US" dirty="0"/>
+              <a:t>R3 (NU)</a:t>
+            </a:r>
+          </a:p>
+        </p:txBody>
+      </p:sp>
+      <p:cxnSp>
+        <p:nvCxnSpPr>
+          <p:cNvPr id="67" name="Straight Connector 66">
+            <a:extLst>
+              <a:ext uri="{FF2B5EF4-FFF2-40B4-BE49-F238E27FC236}">
+                <a16:creationId xmlns:a16="http://schemas.microsoft.com/office/drawing/2014/main" id="{CAEF64F3-C0C7-0D47-9A55-D67B6AB56D97}"/>
+              </a:ext>
+            </a:extLst>
+          </p:cNvPr>
+          <p:cNvCxnSpPr>
+            <a:cxnSpLocks/>
+          </p:cNvCxnSpPr>
+          <p:nvPr/>
+        </p:nvCxnSpPr>
+        <p:spPr>
+          <a:xfrm flipH="1">
+            <a:off x="6477844" y="4201287"/>
+            <a:ext cx="766118" cy="0"/>
+          </a:xfrm>
+          <a:prstGeom prst="line">
+            <a:avLst/>
+          </a:prstGeom>
+          <a:ln w="38100">
+            <a:headEnd type="oval"/>
+          </a:ln>
+        </p:spPr>
+        <p:style>
+          <a:lnRef idx="1">
+            <a:schemeClr val="accent1"/>
+          </a:lnRef>
+          <a:fillRef idx="0">
+            <a:schemeClr val="accent1"/>
+          </a:fillRef>
+          <a:effectRef idx="0">
+            <a:schemeClr val="accent1"/>
+          </a:effectRef>
+          <a:fontRef idx="minor">
+            <a:schemeClr val="tx1"/>
+          </a:fontRef>
+        </p:style>
+      </p:cxnSp>
+      <p:cxnSp>
+        <p:nvCxnSpPr>
+          <p:cNvPr id="68" name="Straight Connector 67">
+            <a:extLst>
+              <a:ext uri="{FF2B5EF4-FFF2-40B4-BE49-F238E27FC236}">
+                <a16:creationId xmlns:a16="http://schemas.microsoft.com/office/drawing/2014/main" id="{0629395B-5D15-5542-A717-9DA54129A2EA}"/>
+              </a:ext>
+            </a:extLst>
+          </p:cNvPr>
+          <p:cNvCxnSpPr>
+            <a:cxnSpLocks/>
+          </p:cNvCxnSpPr>
+          <p:nvPr/>
+        </p:nvCxnSpPr>
+        <p:spPr>
+          <a:xfrm>
+            <a:off x="6477844" y="3850559"/>
+            <a:ext cx="0" cy="353052"/>
+          </a:xfrm>
+          <a:prstGeom prst="line">
+            <a:avLst/>
+          </a:prstGeom>
+          <a:ln w="38100"/>
+        </p:spPr>
+        <p:style>
+          <a:lnRef idx="1">
+            <a:schemeClr val="accent1"/>
+          </a:lnRef>
+          <a:fillRef idx="0">
+            <a:schemeClr val="accent1"/>
+          </a:fillRef>
+          <a:effectRef idx="0">
+            <a:schemeClr val="accent1"/>
+          </a:effectRef>
+          <a:fontRef idx="minor">
+            <a:schemeClr val="tx1"/>
+          </a:fontRef>
+        </p:style>
+      </p:cxnSp>
+      <p:sp>
+        <p:nvSpPr>
+          <p:cNvPr id="69" name="TextBox 68">
+            <a:extLst>
+              <a:ext uri="{FF2B5EF4-FFF2-40B4-BE49-F238E27FC236}">
+                <a16:creationId xmlns:a16="http://schemas.microsoft.com/office/drawing/2014/main" id="{5A3FC8A3-81C7-0F4D-BCD7-15DF8CBC73AB}"/>
+              </a:ext>
+            </a:extLst>
+          </p:cNvPr>
+          <p:cNvSpPr txBox="1"/>
+          <p:nvPr/>
+        </p:nvSpPr>
+        <p:spPr>
+          <a:xfrm>
+            <a:off x="8977929" y="3452051"/>
+            <a:ext cx="941220" cy="369332"/>
+          </a:xfrm>
+          <a:prstGeom prst="rect">
+            <a:avLst/>
+          </a:prstGeom>
+          <a:noFill/>
+        </p:spPr>
+        <p:txBody>
+          <a:bodyPr wrap="none" rtlCol="0">
+            <a:spAutoFit/>
+          </a:bodyPr>
+          <a:lstStyle/>
+          <a:p>
+            <a:pPr algn="ctr"/>
+            <a:r>
+              <a:rPr lang="en-US" dirty="0"/>
+              <a:t>DSW1-4</a:t>
+            </a:r>
+          </a:p>
+        </p:txBody>
+      </p:sp>
+      <p:cxnSp>
+        <p:nvCxnSpPr>
+          <p:cNvPr id="70" name="Straight Connector 69">
+            <a:extLst>
+              <a:ext uri="{FF2B5EF4-FFF2-40B4-BE49-F238E27FC236}">
+                <a16:creationId xmlns:a16="http://schemas.microsoft.com/office/drawing/2014/main" id="{4D0EC6B7-F5B1-3D4C-992F-5C5EC75B1AFE}"/>
+              </a:ext>
+            </a:extLst>
+          </p:cNvPr>
+          <p:cNvCxnSpPr>
+            <a:cxnSpLocks/>
+          </p:cNvCxnSpPr>
+          <p:nvPr/>
+        </p:nvCxnSpPr>
+        <p:spPr>
+          <a:xfrm flipH="1">
+            <a:off x="8682420" y="3073947"/>
+            <a:ext cx="766118" cy="0"/>
+          </a:xfrm>
+          <a:prstGeom prst="line">
+            <a:avLst/>
+          </a:prstGeom>
+          <a:ln w="38100">
+            <a:headEnd type="oval"/>
+          </a:ln>
+        </p:spPr>
+        <p:style>
+          <a:lnRef idx="1">
+            <a:schemeClr val="accent1"/>
+          </a:lnRef>
+          <a:fillRef idx="0">
+            <a:schemeClr val="accent1"/>
+          </a:fillRef>
+          <a:effectRef idx="0">
+            <a:schemeClr val="accent1"/>
+          </a:effectRef>
+          <a:fontRef idx="minor">
+            <a:schemeClr val="tx1"/>
+          </a:fontRef>
+        </p:style>
+      </p:cxnSp>
+      <p:cxnSp>
+        <p:nvCxnSpPr>
+          <p:cNvPr id="71" name="Straight Connector 70">
+            <a:extLst>
+              <a:ext uri="{FF2B5EF4-FFF2-40B4-BE49-F238E27FC236}">
+                <a16:creationId xmlns:a16="http://schemas.microsoft.com/office/drawing/2014/main" id="{A16A0948-6420-3349-B557-08B97E456D45}"/>
+              </a:ext>
+            </a:extLst>
+          </p:cNvPr>
+          <p:cNvCxnSpPr>
+            <a:cxnSpLocks/>
+          </p:cNvCxnSpPr>
+          <p:nvPr/>
+        </p:nvCxnSpPr>
+        <p:spPr>
+          <a:xfrm>
+            <a:off x="8682420" y="3073947"/>
+            <a:ext cx="0" cy="353052"/>
+          </a:xfrm>
+          <a:prstGeom prst="line">
+            <a:avLst/>
+          </a:prstGeom>
+          <a:ln w="38100"/>
+        </p:spPr>
+        <p:style>
+          <a:lnRef idx="1">
+            <a:schemeClr val="accent1"/>
+          </a:lnRef>
+          <a:fillRef idx="0">
+            <a:schemeClr val="accent1"/>
+          </a:fillRef>
+          <a:effectRef idx="0">
+            <a:schemeClr val="accent1"/>
+          </a:effectRef>
+          <a:fontRef idx="minor">
+            <a:schemeClr val="tx1"/>
+          </a:fontRef>
+        </p:style>
+      </p:cxnSp>
+      <p:sp>
+        <p:nvSpPr>
+          <p:cNvPr id="72" name="TextBox 71">
+            <a:extLst>
+              <a:ext uri="{FF2B5EF4-FFF2-40B4-BE49-F238E27FC236}">
+                <a16:creationId xmlns:a16="http://schemas.microsoft.com/office/drawing/2014/main" id="{7726C5FC-9388-0F45-899C-57001B07891C}"/>
+              </a:ext>
+            </a:extLst>
+          </p:cNvPr>
+          <p:cNvSpPr txBox="1"/>
+          <p:nvPr/>
+        </p:nvSpPr>
+        <p:spPr>
+          <a:xfrm>
+            <a:off x="8060690" y="3452051"/>
+            <a:ext cx="917239" cy="369332"/>
+          </a:xfrm>
+          <a:prstGeom prst="rect">
+            <a:avLst/>
+          </a:prstGeom>
+          <a:noFill/>
+        </p:spPr>
+        <p:txBody>
+          <a:bodyPr wrap="none" rtlCol="0">
+            <a:spAutoFit/>
+          </a:bodyPr>
+          <a:lstStyle/>
+          <a:p>
+            <a:pPr algn="ctr"/>
+            <a:r>
+              <a:rPr lang="en-US" dirty="0"/>
+              <a:t>R4 (NU)</a:t>
+            </a:r>
+          </a:p>
+        </p:txBody>
+      </p:sp>
+      <p:cxnSp>
+        <p:nvCxnSpPr>
+          <p:cNvPr id="73" name="Straight Connector 72">
+            <a:extLst>
+              <a:ext uri="{FF2B5EF4-FFF2-40B4-BE49-F238E27FC236}">
+                <a16:creationId xmlns:a16="http://schemas.microsoft.com/office/drawing/2014/main" id="{A8560158-22FF-2648-AC97-787A79609010}"/>
+              </a:ext>
+            </a:extLst>
+          </p:cNvPr>
+          <p:cNvCxnSpPr>
+            <a:cxnSpLocks/>
+          </p:cNvCxnSpPr>
+          <p:nvPr/>
+        </p:nvCxnSpPr>
+        <p:spPr>
+          <a:xfrm flipH="1">
+            <a:off x="8684508" y="4203375"/>
+            <a:ext cx="766118" cy="0"/>
+          </a:xfrm>
+          <a:prstGeom prst="line">
+            <a:avLst/>
+          </a:prstGeom>
+          <a:ln w="38100">
+            <a:headEnd type="oval"/>
+          </a:ln>
+        </p:spPr>
+        <p:style>
+          <a:lnRef idx="1">
+            <a:schemeClr val="accent1"/>
+          </a:lnRef>
+          <a:fillRef idx="0">
+            <a:schemeClr val="accent1"/>
+          </a:fillRef>
+          <a:effectRef idx="0">
+            <a:schemeClr val="accent1"/>
+          </a:effectRef>
+          <a:fontRef idx="minor">
+            <a:schemeClr val="tx1"/>
+          </a:fontRef>
+        </p:style>
+      </p:cxnSp>
+      <p:cxnSp>
+        <p:nvCxnSpPr>
+          <p:cNvPr id="74" name="Straight Connector 73">
+            <a:extLst>
+              <a:ext uri="{FF2B5EF4-FFF2-40B4-BE49-F238E27FC236}">
+                <a16:creationId xmlns:a16="http://schemas.microsoft.com/office/drawing/2014/main" id="{295B69E1-F1CC-C947-BE12-492BAC6DAF47}"/>
+              </a:ext>
+            </a:extLst>
+          </p:cNvPr>
+          <p:cNvCxnSpPr>
+            <a:cxnSpLocks/>
+          </p:cNvCxnSpPr>
+          <p:nvPr/>
+        </p:nvCxnSpPr>
+        <p:spPr>
+          <a:xfrm>
+            <a:off x="8684508" y="3852647"/>
+            <a:ext cx="0" cy="353052"/>
+          </a:xfrm>
+          <a:prstGeom prst="line">
+            <a:avLst/>
+          </a:prstGeom>
+          <a:ln w="38100"/>
+        </p:spPr>
+        <p:style>
+          <a:lnRef idx="1">
+            <a:schemeClr val="accent1"/>
+          </a:lnRef>
+          <a:fillRef idx="0">
+            <a:schemeClr val="accent1"/>
+          </a:fillRef>
+          <a:effectRef idx="0">
+            <a:schemeClr val="accent1"/>
+          </a:effectRef>
+          <a:fontRef idx="minor">
+            <a:schemeClr val="tx1"/>
+          </a:fontRef>
+        </p:style>
+      </p:cxnSp>
     </p:spTree>
     <p:extLst>
       <p:ext uri="{BB962C8B-B14F-4D97-AF65-F5344CB8AC3E}">
@@ -4760,4 +5980,299 @@
     </a:ext>
   </a:extLst>
 </a:theme>
+</file>
+
+<file path=ppt/theme/theme2.xml><?xml version="1.0" encoding="utf-8"?>
+<a:theme xmlns:a="http://schemas.openxmlformats.org/drawingml/2006/main" name="Office Theme">
+  <a:themeElements>
+    <a:clrScheme name="Office">
+      <a:dk1>
+        <a:sysClr val="windowText" lastClr="000000"/>
+      </a:dk1>
+      <a:lt1>
+        <a:sysClr val="window" lastClr="FFFFFF"/>
+      </a:lt1>
+      <a:dk2>
+        <a:srgbClr val="44546A"/>
+      </a:dk2>
+      <a:lt2>
+        <a:srgbClr val="E7E6E6"/>
+      </a:lt2>
+      <a:accent1>
+        <a:srgbClr val="4472C4"/>
+      </a:accent1>
+      <a:accent2>
+        <a:srgbClr val="ED7D31"/>
+      </a:accent2>
+      <a:accent3>
+        <a:srgbClr val="A5A5A5"/>
+      </a:accent3>
+      <a:accent4>
+        <a:srgbClr val="FFC000"/>
+      </a:accent4>
+      <a:accent5>
+        <a:srgbClr val="5B9BD5"/>
+      </a:accent5>
+      <a:accent6>
+        <a:srgbClr val="70AD47"/>
+      </a:accent6>
+      <a:hlink>
+        <a:srgbClr val="0563C1"/>
+      </a:hlink>
+      <a:folHlink>
+        <a:srgbClr val="954F72"/>
+      </a:folHlink>
+    </a:clrScheme>
+    <a:fontScheme name="Office">
+      <a:majorFont>
+        <a:latin typeface="Calibri Light" panose="020F0302020204030204"/>
+        <a:ea typeface=""/>
+        <a:cs typeface=""/>
+        <a:font script="Jpan" typeface="游ゴシック Light"/>
+        <a:font script="Hang" typeface="맑은 고딕"/>
+        <a:font script="Hans" typeface="等线 Light"/>
+        <a:font script="Hant" typeface="新細明體"/>
+        <a:font script="Arab" typeface="Times New Roman"/>
+        <a:font script="Hebr" typeface="Times New Roman"/>
+        <a:font script="Thai" typeface="Angsana New"/>
+        <a:font script="Ethi" typeface="Nyala"/>
+        <a:font script="Beng" typeface="Vrinda"/>
+        <a:font script="Gujr" typeface="Shruti"/>
+        <a:font script="Khmr" typeface="MoolBoran"/>
+        <a:font script="Knda" typeface="Tunga"/>
+        <a:font script="Guru" typeface="Raavi"/>
+        <a:font script="Cans" typeface="Euphemia"/>
+        <a:font script="Cher" typeface="Plantagenet Cherokee"/>
+        <a:font script="Yiii" typeface="Microsoft Yi Baiti"/>
+        <a:font script="Tibt" typeface="Microsoft Himalaya"/>
+        <a:font script="Thaa" typeface="MV Boli"/>
+        <a:font script="Deva" typeface="Mangal"/>
+        <a:font script="Telu" typeface="Gautami"/>
+        <a:font script="Taml" typeface="Latha"/>
+        <a:font script="Syrc" typeface="Estrangelo Edessa"/>
+        <a:font script="Orya" typeface="Kalinga"/>
+        <a:font script="Mlym" typeface="Kartika"/>
+        <a:font script="Laoo" typeface="DokChampa"/>
+        <a:font script="Sinh" typeface="Iskoola Pota"/>
+        <a:font script="Mong" typeface="Mongolian Baiti"/>
+        <a:font script="Viet" typeface="Times New Roman"/>
+        <a:font script="Uigh" typeface="Microsoft Uighur"/>
+        <a:font script="Geor" typeface="Sylfaen"/>
+        <a:font script="Armn" typeface="Arial"/>
+        <a:font script="Bugi" typeface="Leelawadee UI"/>
+        <a:font script="Bopo" typeface="Microsoft JhengHei"/>
+        <a:font script="Java" typeface="Javanese Text"/>
+        <a:font script="Lisu" typeface="Segoe UI"/>
+        <a:font script="Mymr" typeface="Myanmar Text"/>
+        <a:font script="Nkoo" typeface="Ebrima"/>
+        <a:font script="Olck" typeface="Nirmala UI"/>
+        <a:font script="Osma" typeface="Ebrima"/>
+        <a:font script="Phag" typeface="Phagspa"/>
+        <a:font script="Syrn" typeface="Estrangelo Edessa"/>
+        <a:font script="Syrj" typeface="Estrangelo Edessa"/>
+        <a:font script="Syre" typeface="Estrangelo Edessa"/>
+        <a:font script="Sora" typeface="Nirmala UI"/>
+        <a:font script="Tale" typeface="Microsoft Tai Le"/>
+        <a:font script="Talu" typeface="Microsoft New Tai Lue"/>
+        <a:font script="Tfng" typeface="Ebrima"/>
+      </a:majorFont>
+      <a:minorFont>
+        <a:latin typeface="Calibri" panose="020F0502020204030204"/>
+        <a:ea typeface=""/>
+        <a:cs typeface=""/>
+        <a:font script="Jpan" typeface="游ゴシック"/>
+        <a:font script="Hang" typeface="맑은 고딕"/>
+        <a:font script="Hans" typeface="等线"/>
+        <a:font script="Hant" typeface="新細明體"/>
+        <a:font script="Arab" typeface="Arial"/>
+        <a:font script="Hebr" typeface="Arial"/>
+        <a:font script="Thai" typeface="Cordia New"/>
+        <a:font script="Ethi" typeface="Nyala"/>
+        <a:font script="Beng" typeface="Vrinda"/>
+        <a:font script="Gujr" typeface="Shruti"/>
+        <a:font script="Khmr" typeface="DaunPenh"/>
+        <a:font script="Knda" typeface="Tunga"/>
+        <a:font script="Guru" typeface="Raavi"/>
+        <a:font script="Cans" typeface="Euphemia"/>
+        <a:font script="Cher" typeface="Plantagenet Cherokee"/>
+        <a:font script="Yiii" typeface="Microsoft Yi Baiti"/>
+        <a:font script="Tibt" typeface="Microsoft Himalaya"/>
+        <a:font script="Thaa" typeface="MV Boli"/>
+        <a:font script="Deva" typeface="Mangal"/>
+        <a:font script="Telu" typeface="Gautami"/>
+        <a:font script="Taml" typeface="Latha"/>
+        <a:font script="Syrc" typeface="Estrangelo Edessa"/>
+        <a:font script="Orya" typeface="Kalinga"/>
+        <a:font script="Mlym" typeface="Kartika"/>
+        <a:font script="Laoo" typeface="DokChampa"/>
+        <a:font script="Sinh" typeface="Iskoola Pota"/>
+        <a:font script="Mong" typeface="Mongolian Baiti"/>
+        <a:font script="Viet" typeface="Arial"/>
+        <a:font script="Uigh" typeface="Microsoft Uighur"/>
+        <a:font script="Geor" typeface="Sylfaen"/>
+        <a:font script="Armn" typeface="Arial"/>
+        <a:font script="Bugi" typeface="Leelawadee UI"/>
+        <a:font script="Bopo" typeface="Microsoft JhengHei"/>
+        <a:font script="Java" typeface="Javanese Text"/>
+        <a:font script="Lisu" typeface="Segoe UI"/>
+        <a:font script="Mymr" typeface="Myanmar Text"/>
+        <a:font script="Nkoo" typeface="Ebrima"/>
+        <a:font script="Olck" typeface="Nirmala UI"/>
+        <a:font script="Osma" typeface="Ebrima"/>
+        <a:font script="Phag" typeface="Phagspa"/>
+        <a:font script="Syrn" typeface="Estrangelo Edessa"/>
+        <a:font script="Syrj" typeface="Estrangelo Edessa"/>
+        <a:font script="Syre" typeface="Estrangelo Edessa"/>
+        <a:font script="Sora" typeface="Nirmala UI"/>
+        <a:font script="Tale" typeface="Microsoft Tai Le"/>
+        <a:font script="Talu" typeface="Microsoft New Tai Lue"/>
+        <a:font script="Tfng" typeface="Ebrima"/>
+      </a:minorFont>
+    </a:fontScheme>
+    <a:fmtScheme name="Office">
+      <a:fillStyleLst>
+        <a:solidFill>
+          <a:schemeClr val="phClr"/>
+        </a:solidFill>
+        <a:gradFill rotWithShape="1">
+          <a:gsLst>
+            <a:gs pos="0">
+              <a:schemeClr val="phClr">
+                <a:lumMod val="110000"/>
+                <a:satMod val="105000"/>
+                <a:tint val="67000"/>
+              </a:schemeClr>
+            </a:gs>
+            <a:gs pos="50000">
+              <a:schemeClr val="phClr">
+                <a:lumMod val="105000"/>
+                <a:satMod val="103000"/>
+                <a:tint val="73000"/>
+              </a:schemeClr>
+            </a:gs>
+            <a:gs pos="100000">
+              <a:schemeClr val="phClr">
+                <a:lumMod val="105000"/>
+                <a:satMod val="109000"/>
+                <a:tint val="81000"/>
+              </a:schemeClr>
+            </a:gs>
+          </a:gsLst>
+          <a:lin ang="5400000" scaled="0"/>
+        </a:gradFill>
+        <a:gradFill rotWithShape="1">
+          <a:gsLst>
+            <a:gs pos="0">
+              <a:schemeClr val="phClr">
+                <a:satMod val="103000"/>
+                <a:lumMod val="102000"/>
+                <a:tint val="94000"/>
+              </a:schemeClr>
+            </a:gs>
+            <a:gs pos="50000">
+              <a:schemeClr val="phClr">
+                <a:satMod val="110000"/>
+                <a:lumMod val="100000"/>
+                <a:shade val="100000"/>
+              </a:schemeClr>
+            </a:gs>
+            <a:gs pos="100000">
+              <a:schemeClr val="phClr">
+                <a:lumMod val="99000"/>
+                <a:satMod val="120000"/>
+                <a:shade val="78000"/>
+              </a:schemeClr>
+            </a:gs>
+          </a:gsLst>
+          <a:lin ang="5400000" scaled="0"/>
+        </a:gradFill>
+      </a:fillStyleLst>
+      <a:lnStyleLst>
+        <a:ln w="6350" cap="flat" cmpd="sng" algn="ctr">
+          <a:solidFill>
+            <a:schemeClr val="phClr"/>
+          </a:solidFill>
+          <a:prstDash val="solid"/>
+          <a:miter lim="800000"/>
+        </a:ln>
+        <a:ln w="12700" cap="flat" cmpd="sng" algn="ctr">
+          <a:solidFill>
+            <a:schemeClr val="phClr"/>
+          </a:solidFill>
+          <a:prstDash val="solid"/>
+          <a:miter lim="800000"/>
+        </a:ln>
+        <a:ln w="19050" cap="flat" cmpd="sng" algn="ctr">
+          <a:solidFill>
+            <a:schemeClr val="phClr"/>
+          </a:solidFill>
+          <a:prstDash val="solid"/>
+          <a:miter lim="800000"/>
+        </a:ln>
+      </a:lnStyleLst>
+      <a:effectStyleLst>
+        <a:effectStyle>
+          <a:effectLst/>
+        </a:effectStyle>
+        <a:effectStyle>
+          <a:effectLst/>
+        </a:effectStyle>
+        <a:effectStyle>
+          <a:effectLst>
+            <a:outerShdw blurRad="57150" dist="19050" dir="5400000" algn="ctr" rotWithShape="0">
+              <a:srgbClr val="000000">
+                <a:alpha val="63000"/>
+              </a:srgbClr>
+            </a:outerShdw>
+          </a:effectLst>
+        </a:effectStyle>
+      </a:effectStyleLst>
+      <a:bgFillStyleLst>
+        <a:solidFill>
+          <a:schemeClr val="phClr"/>
+        </a:solidFill>
+        <a:solidFill>
+          <a:schemeClr val="phClr">
+            <a:tint val="95000"/>
+            <a:satMod val="170000"/>
+          </a:schemeClr>
+        </a:solidFill>
+        <a:gradFill rotWithShape="1">
+          <a:gsLst>
+            <a:gs pos="0">
+              <a:schemeClr val="phClr">
+                <a:tint val="93000"/>
+                <a:satMod val="150000"/>
+                <a:shade val="98000"/>
+                <a:lumMod val="102000"/>
+              </a:schemeClr>
+            </a:gs>
+            <a:gs pos="50000">
+              <a:schemeClr val="phClr">
+                <a:tint val="98000"/>
+                <a:satMod val="130000"/>
+                <a:shade val="90000"/>
+                <a:lumMod val="103000"/>
+              </a:schemeClr>
+            </a:gs>
+            <a:gs pos="100000">
+              <a:schemeClr val="phClr">
+                <a:shade val="63000"/>
+                <a:satMod val="120000"/>
+              </a:schemeClr>
+            </a:gs>
+          </a:gsLst>
+          <a:lin ang="5400000" scaled="0"/>
+        </a:gradFill>
+      </a:bgFillStyleLst>
+    </a:fmtScheme>
+  </a:themeElements>
+  <a:objectDefaults/>
+  <a:extraClrSchemeLst/>
+  <a:extLst>
+    <a:ext uri="{05A4C25C-085E-4340-85A3-A5531E510DB2}">
+      <thm15:themeFamily xmlns:thm15="http://schemas.microsoft.com/office/thememl/2012/main" name="Office Theme" id="{62F939B6-93AF-4DB8-9C6B-D6C7DFDC589F}" vid="{4A3C46E8-61CC-4603-A589-7422A47A8E4A}"/>
+    </a:ext>
+  </a:extLst>
+</a:theme>
 </file>
--- a/Docs/rfsel.pptx
+++ b/Docs/rfsel.pptx
@@ -197,7 +197,7 @@
           <a:p>
             <a:fld id="{2FBA757A-6025-5A42-AE6E-F4BC141BDF65}" type="datetimeFigureOut">
               <a:rPr lang="en-US" smtClean="0"/>
-              <a:t>7/10/21</a:t>
+              <a:t>10/9/2021</a:t>
             </a:fld>
             <a:endParaRPr lang="en-US"/>
           </a:p>
@@ -695,7 +695,7 @@
           <a:p>
             <a:fld id="{51B3A7B4-E0E3-3348-8640-EBFD71607F9D}" type="datetimeFigureOut">
               <a:rPr lang="en-US" smtClean="0"/>
-              <a:t>7/10/21</a:t>
+              <a:t>10/9/2021</a:t>
             </a:fld>
             <a:endParaRPr lang="en-US"/>
           </a:p>
@@ -893,7 +893,7 @@
           <a:p>
             <a:fld id="{51B3A7B4-E0E3-3348-8640-EBFD71607F9D}" type="datetimeFigureOut">
               <a:rPr lang="en-US" smtClean="0"/>
-              <a:t>7/10/21</a:t>
+              <a:t>10/9/2021</a:t>
             </a:fld>
             <a:endParaRPr lang="en-US"/>
           </a:p>
@@ -1101,7 +1101,7 @@
           <a:p>
             <a:fld id="{51B3A7B4-E0E3-3348-8640-EBFD71607F9D}" type="datetimeFigureOut">
               <a:rPr lang="en-US" smtClean="0"/>
-              <a:t>7/10/21</a:t>
+              <a:t>10/9/2021</a:t>
             </a:fld>
             <a:endParaRPr lang="en-US"/>
           </a:p>
@@ -1299,7 +1299,7 @@
           <a:p>
             <a:fld id="{51B3A7B4-E0E3-3348-8640-EBFD71607F9D}" type="datetimeFigureOut">
               <a:rPr lang="en-US" smtClean="0"/>
-              <a:t>7/10/21</a:t>
+              <a:t>10/9/2021</a:t>
             </a:fld>
             <a:endParaRPr lang="en-US"/>
           </a:p>
@@ -1574,7 +1574,7 @@
           <a:p>
             <a:fld id="{51B3A7B4-E0E3-3348-8640-EBFD71607F9D}" type="datetimeFigureOut">
               <a:rPr lang="en-US" smtClean="0"/>
-              <a:t>7/10/21</a:t>
+              <a:t>10/9/2021</a:t>
             </a:fld>
             <a:endParaRPr lang="en-US"/>
           </a:p>
@@ -1839,7 +1839,7 @@
           <a:p>
             <a:fld id="{51B3A7B4-E0E3-3348-8640-EBFD71607F9D}" type="datetimeFigureOut">
               <a:rPr lang="en-US" smtClean="0"/>
-              <a:t>7/10/21</a:t>
+              <a:t>10/9/2021</a:t>
             </a:fld>
             <a:endParaRPr lang="en-US"/>
           </a:p>
@@ -2251,7 +2251,7 @@
           <a:p>
             <a:fld id="{51B3A7B4-E0E3-3348-8640-EBFD71607F9D}" type="datetimeFigureOut">
               <a:rPr lang="en-US" smtClean="0"/>
-              <a:t>7/10/21</a:t>
+              <a:t>10/9/2021</a:t>
             </a:fld>
             <a:endParaRPr lang="en-US"/>
           </a:p>
@@ -2392,7 +2392,7 @@
           <a:p>
             <a:fld id="{51B3A7B4-E0E3-3348-8640-EBFD71607F9D}" type="datetimeFigureOut">
               <a:rPr lang="en-US" smtClean="0"/>
-              <a:t>7/10/21</a:t>
+              <a:t>10/9/2021</a:t>
             </a:fld>
             <a:endParaRPr lang="en-US"/>
           </a:p>
@@ -2505,7 +2505,7 @@
           <a:p>
             <a:fld id="{51B3A7B4-E0E3-3348-8640-EBFD71607F9D}" type="datetimeFigureOut">
               <a:rPr lang="en-US" smtClean="0"/>
-              <a:t>7/10/21</a:t>
+              <a:t>10/9/2021</a:t>
             </a:fld>
             <a:endParaRPr lang="en-US"/>
           </a:p>
@@ -2816,7 +2816,7 @@
           <a:p>
             <a:fld id="{51B3A7B4-E0E3-3348-8640-EBFD71607F9D}" type="datetimeFigureOut">
               <a:rPr lang="en-US" smtClean="0"/>
-              <a:t>7/10/21</a:t>
+              <a:t>10/9/2021</a:t>
             </a:fld>
             <a:endParaRPr lang="en-US"/>
           </a:p>
@@ -3104,7 +3104,7 @@
           <a:p>
             <a:fld id="{51B3A7B4-E0E3-3348-8640-EBFD71607F9D}" type="datetimeFigureOut">
               <a:rPr lang="en-US" smtClean="0"/>
-              <a:t>7/10/21</a:t>
+              <a:t>10/9/2021</a:t>
             </a:fld>
             <a:endParaRPr lang="en-US"/>
           </a:p>
@@ -3345,7 +3345,7 @@
           <a:p>
             <a:fld id="{51B3A7B4-E0E3-3348-8640-EBFD71607F9D}" type="datetimeFigureOut">
               <a:rPr lang="en-US" smtClean="0"/>
-              <a:t>7/10/21</a:t>
+              <a:t>10/9/2021</a:t>
             </a:fld>
             <a:endParaRPr lang="en-US"/>
           </a:p>
@@ -4285,7 +4285,7 @@
             <a:pPr algn="ctr"/>
             <a:r>
               <a:rPr lang="en-US" dirty="0"/>
-              <a:t>REFSEL_0</a:t>
+              <a:t>REFSEL_1</a:t>
             </a:r>
           </a:p>
         </p:txBody>
@@ -5240,9 +5240,10 @@
           <a:p>
             <a:pPr algn="ctr"/>
             <a:r>
-              <a:rPr lang="en-US" dirty="0"/>
-              <a:t>REFSEL_1</a:t>
-            </a:r>
+              <a:rPr lang="en-US"/>
+              <a:t>REFSEL_0</a:t>
+            </a:r>
+            <a:endParaRPr lang="en-US" dirty="0"/>
           </a:p>
         </p:txBody>
       </p:sp>
